--- a/Documentation/Metascan Uploader.pptx
+++ b/Documentation/Metascan Uploader.pptx
@@ -5,10 +5,10 @@
     <p:sldMasterId id="2147483650" r:id="rId1"/>
   </p:sldMasterIdLst>
   <p:notesMasterIdLst>
-    <p:notesMasterId r:id="rId21"/>
+    <p:notesMasterId r:id="rId23"/>
   </p:notesMasterIdLst>
   <p:handoutMasterIdLst>
-    <p:handoutMasterId r:id="rId22"/>
+    <p:handoutMasterId r:id="rId24"/>
   </p:handoutMasterIdLst>
   <p:sldIdLst>
     <p:sldId id="270" r:id="rId2"/>
@@ -20,16 +20,18 @@
     <p:sldId id="287" r:id="rId8"/>
     <p:sldId id="288" r:id="rId9"/>
     <p:sldId id="290" r:id="rId10"/>
-    <p:sldId id="291" r:id="rId11"/>
-    <p:sldId id="292" r:id="rId12"/>
-    <p:sldId id="293" r:id="rId13"/>
-    <p:sldId id="294" r:id="rId14"/>
-    <p:sldId id="295" r:id="rId15"/>
-    <p:sldId id="296" r:id="rId16"/>
-    <p:sldId id="297" r:id="rId17"/>
-    <p:sldId id="300" r:id="rId18"/>
-    <p:sldId id="298" r:id="rId19"/>
-    <p:sldId id="299" r:id="rId20"/>
+    <p:sldId id="302" r:id="rId11"/>
+    <p:sldId id="301" r:id="rId12"/>
+    <p:sldId id="291" r:id="rId13"/>
+    <p:sldId id="292" r:id="rId14"/>
+    <p:sldId id="293" r:id="rId15"/>
+    <p:sldId id="294" r:id="rId16"/>
+    <p:sldId id="295" r:id="rId17"/>
+    <p:sldId id="296" r:id="rId18"/>
+    <p:sldId id="297" r:id="rId19"/>
+    <p:sldId id="300" r:id="rId20"/>
+    <p:sldId id="298" r:id="rId21"/>
+    <p:sldId id="299" r:id="rId22"/>
   </p:sldIdLst>
   <p:sldSz cx="9144000" cy="6858000" type="screen4x3"/>
   <p:notesSz cx="7010400" cy="9296400"/>
@@ -130,7 +132,7 @@
   </p:defaultTextStyle>
   <p:extLst>
     <p:ext uri="{EFAFB233-063F-42B5-8137-9DF3F51BA10A}">
-      <p15:sldGuideLst xmlns:p15="http://schemas.microsoft.com/office/powerpoint/2012/main" xmlns="">
+      <p15:sldGuideLst xmlns="" xmlns:p15="http://schemas.microsoft.com/office/powerpoint/2012/main">
         <p15:guide id="1" orient="horz" pos="2160">
           <p15:clr>
             <a:srgbClr val="A4A3A4"/>
@@ -144,7 +146,7 @@
       </p15:sldGuideLst>
     </p:ext>
     <p:ext uri="{2D200454-40CA-4A62-9FC3-DE9A4176ACB9}">
-      <p15:notesGuideLst xmlns:p15="http://schemas.microsoft.com/office/powerpoint/2012/main" xmlns="">
+      <p15:notesGuideLst xmlns="" xmlns:p15="http://schemas.microsoft.com/office/powerpoint/2012/main">
         <p15:guide id="1" orient="horz" pos="2928">
           <p15:clr>
             <a:srgbClr val="A4A3A4"/>
@@ -254,7 +256,7 @@
                 <a:latin typeface="Apex New Book" pitchFamily="50" charset="0"/>
               </a:rPr>
               <a:pPr/>
-              <a:t>29/07/2014</a:t>
+              <a:t>7/29/2014</a:t>
             </a:fld>
             <a:endParaRPr lang="en-US" dirty="0">
               <a:latin typeface="Apex New Book" pitchFamily="50" charset="0"/>
@@ -433,7 +435,7 @@
             <a:fld id="{1796D6AC-0C11-4D37-B43E-F226ADBA1CAC}" type="datetimeFigureOut">
               <a:rPr lang="en-US" smtClean="0"/>
               <a:pPr/>
-              <a:t>29/07/2014</a:t>
+              <a:t>7/29/2014</a:t>
             </a:fld>
             <a:endParaRPr lang="en-US" dirty="0"/>
           </a:p>
@@ -1316,7 +1318,7 @@
             <a:fld id="{1D8BD707-D9CF-40AE-B4C6-C98DA3205C09}" type="datetimeFigureOut">
               <a:rPr lang="en-US" smtClean="0"/>
               <a:pPr/>
-              <a:t>29/07/2014</a:t>
+              <a:t>7/29/2014</a:t>
             </a:fld>
             <a:endParaRPr lang="en-US"/>
           </a:p>
@@ -4002,7 +4004,671 @@
               <a:rPr lang="en-US" dirty="0"/>
               <a:t>Innovation Day</a:t>
             </a:r>
-            <a:endParaRPr lang="en-US" dirty="0"/>
+          </a:p>
+        </p:txBody>
+      </p:sp>
+      <p:sp>
+        <p:nvSpPr>
+          <p:cNvPr id="3" name="Content Placeholder 2"/>
+          <p:cNvSpPr>
+            <a:spLocks noGrp="1"/>
+          </p:cNvSpPr>
+          <p:nvPr>
+            <p:ph idx="1"/>
+          </p:nvPr>
+        </p:nvSpPr>
+        <p:spPr/>
+        <p:txBody>
+          <a:bodyPr>
+            <a:normAutofit/>
+          </a:bodyPr>
+          <a:lstStyle/>
+          <a:p>
+            <a:pPr marL="0" indent="0">
+              <a:buNone/>
+            </a:pPr>
+            <a:r>
+              <a:rPr lang="en-US" dirty="0"/>
+              <a:t>MAC </a:t>
+            </a:r>
+            <a:r>
+              <a:rPr lang="en-US" dirty="0" smtClean="0"/>
+              <a:t>OSX</a:t>
+            </a:r>
+            <a:endParaRPr lang="en-US" dirty="0" smtClean="0"/>
+          </a:p>
+        </p:txBody>
+      </p:sp>
+      <p:sp>
+        <p:nvSpPr>
+          <p:cNvPr id="5" name="Text Placeholder 6"/>
+          <p:cNvSpPr txBox="1">
+            <a:spLocks/>
+          </p:cNvSpPr>
+          <p:nvPr/>
+        </p:nvSpPr>
+        <p:spPr>
+          <a:xfrm>
+            <a:off x="1417320" y="685800"/>
+            <a:ext cx="7086600" cy="762000"/>
+          </a:xfrm>
+          <a:prstGeom prst="rect">
+            <a:avLst/>
+          </a:prstGeom>
+        </p:spPr>
+        <p:txBody>
+          <a:bodyPr/>
+          <a:lstStyle>
+            <a:lvl1pPr marL="342900" indent="-342900" algn="l" defTabSz="914400" rtl="0" eaLnBrk="1" latinLnBrk="0" hangingPunct="1">
+              <a:spcBef>
+                <a:spcPct val="20000"/>
+              </a:spcBef>
+              <a:buClr>
+                <a:srgbClr val="00AEDE"/>
+              </a:buClr>
+              <a:buSzPct val="80000"/>
+              <a:buFont typeface="Wingdings" pitchFamily="2" charset="2"/>
+              <a:buChar char="§"/>
+              <a:defRPr sz="2400" kern="1200">
+                <a:solidFill>
+                  <a:schemeClr val="tx1"/>
+                </a:solidFill>
+                <a:latin typeface="Apex New Book" pitchFamily="50" charset="0"/>
+                <a:ea typeface="Apex New Book" pitchFamily="50" charset="0"/>
+                <a:cs typeface="+mn-cs"/>
+              </a:defRPr>
+            </a:lvl1pPr>
+            <a:lvl2pPr marL="742950" indent="-285750" algn="l" defTabSz="914400" rtl="0" eaLnBrk="1" latinLnBrk="0" hangingPunct="1">
+              <a:spcBef>
+                <a:spcPct val="20000"/>
+              </a:spcBef>
+              <a:buClr>
+                <a:srgbClr val="00AEDE"/>
+              </a:buClr>
+              <a:buSzPct val="80000"/>
+              <a:buFont typeface="Wingdings" pitchFamily="2" charset="2"/>
+              <a:buChar char="§"/>
+              <a:defRPr sz="1800" kern="1200">
+                <a:solidFill>
+                  <a:schemeClr val="tx1"/>
+                </a:solidFill>
+                <a:latin typeface="Apex New Book" pitchFamily="50" charset="0"/>
+                <a:ea typeface="Apex New Book" pitchFamily="50" charset="0"/>
+                <a:cs typeface="+mn-cs"/>
+              </a:defRPr>
+            </a:lvl2pPr>
+            <a:lvl3pPr marL="1082675" indent="-228600" algn="l" defTabSz="914400" rtl="0" eaLnBrk="1" latinLnBrk="0" hangingPunct="1">
+              <a:spcBef>
+                <a:spcPct val="20000"/>
+              </a:spcBef>
+              <a:buClr>
+                <a:srgbClr val="00AEDE"/>
+              </a:buClr>
+              <a:buSzPct val="80000"/>
+              <a:buFont typeface="Wingdings" pitchFamily="2" charset="2"/>
+              <a:buChar char="§"/>
+              <a:tabLst>
+                <a:tab pos="1025525" algn="l"/>
+              </a:tabLst>
+              <a:defRPr sz="1600" kern="1200">
+                <a:solidFill>
+                  <a:schemeClr val="tx1"/>
+                </a:solidFill>
+                <a:latin typeface="Apex New Book" pitchFamily="50" charset="0"/>
+                <a:ea typeface="Apex New Book" pitchFamily="50" charset="0"/>
+                <a:cs typeface="+mn-cs"/>
+              </a:defRPr>
+            </a:lvl3pPr>
+            <a:lvl4pPr marL="1430338" indent="-228600" algn="l" defTabSz="914400" rtl="0" eaLnBrk="1" latinLnBrk="0" hangingPunct="1">
+              <a:spcBef>
+                <a:spcPct val="20000"/>
+              </a:spcBef>
+              <a:buClr>
+                <a:srgbClr val="00AEDE"/>
+              </a:buClr>
+              <a:buSzPct val="80000"/>
+              <a:buFont typeface="Wingdings" pitchFamily="2" charset="2"/>
+              <a:buChar char="§"/>
+              <a:defRPr sz="1400" kern="1200">
+                <a:solidFill>
+                  <a:schemeClr val="tx1"/>
+                </a:solidFill>
+                <a:latin typeface="Apex New Book" pitchFamily="50" charset="0"/>
+                <a:ea typeface="Apex New Book" pitchFamily="50" charset="0"/>
+                <a:cs typeface="+mn-cs"/>
+              </a:defRPr>
+            </a:lvl4pPr>
+            <a:lvl5pPr marL="1714500" indent="-228600" algn="l" defTabSz="914400" rtl="0" eaLnBrk="1" latinLnBrk="0" hangingPunct="1">
+              <a:spcBef>
+                <a:spcPct val="20000"/>
+              </a:spcBef>
+              <a:buClr>
+                <a:srgbClr val="00AEDE"/>
+              </a:buClr>
+              <a:buSzPct val="80000"/>
+              <a:buFont typeface="Wingdings" pitchFamily="2" charset="2"/>
+              <a:buChar char="§"/>
+              <a:defRPr sz="1400" kern="1200">
+                <a:solidFill>
+                  <a:schemeClr val="tx1"/>
+                </a:solidFill>
+                <a:latin typeface="Apex New Book" pitchFamily="50" charset="0"/>
+                <a:ea typeface="Apex New Book" pitchFamily="50" charset="0"/>
+                <a:cs typeface="+mn-cs"/>
+              </a:defRPr>
+            </a:lvl5pPr>
+            <a:lvl6pPr marL="2514600" indent="-228600" algn="l" defTabSz="914400" rtl="0" eaLnBrk="1" latinLnBrk="0" hangingPunct="1">
+              <a:spcBef>
+                <a:spcPct val="20000"/>
+              </a:spcBef>
+              <a:buFont typeface="Arial" pitchFamily="34" charset="0"/>
+              <a:buChar char="•"/>
+              <a:defRPr sz="2000" kern="1200">
+                <a:solidFill>
+                  <a:schemeClr val="tx1"/>
+                </a:solidFill>
+                <a:latin typeface="+mn-lt"/>
+                <a:ea typeface="+mn-ea"/>
+                <a:cs typeface="+mn-cs"/>
+              </a:defRPr>
+            </a:lvl6pPr>
+            <a:lvl7pPr marL="2971800" indent="-228600" algn="l" defTabSz="914400" rtl="0" eaLnBrk="1" latinLnBrk="0" hangingPunct="1">
+              <a:spcBef>
+                <a:spcPct val="20000"/>
+              </a:spcBef>
+              <a:buFont typeface="Arial" pitchFamily="34" charset="0"/>
+              <a:buChar char="•"/>
+              <a:defRPr sz="2000" kern="1200">
+                <a:solidFill>
+                  <a:schemeClr val="tx1"/>
+                </a:solidFill>
+                <a:latin typeface="+mn-lt"/>
+                <a:ea typeface="+mn-ea"/>
+                <a:cs typeface="+mn-cs"/>
+              </a:defRPr>
+            </a:lvl7pPr>
+            <a:lvl8pPr marL="3429000" indent="-228600" algn="l" defTabSz="914400" rtl="0" eaLnBrk="1" latinLnBrk="0" hangingPunct="1">
+              <a:spcBef>
+                <a:spcPct val="20000"/>
+              </a:spcBef>
+              <a:buFont typeface="Arial" pitchFamily="34" charset="0"/>
+              <a:buChar char="•"/>
+              <a:defRPr sz="2000" kern="1200">
+                <a:solidFill>
+                  <a:schemeClr val="tx1"/>
+                </a:solidFill>
+                <a:latin typeface="+mn-lt"/>
+                <a:ea typeface="+mn-ea"/>
+                <a:cs typeface="+mn-cs"/>
+              </a:defRPr>
+            </a:lvl8pPr>
+            <a:lvl9pPr marL="3886200" indent="-228600" algn="l" defTabSz="914400" rtl="0" eaLnBrk="1" latinLnBrk="0" hangingPunct="1">
+              <a:spcBef>
+                <a:spcPct val="20000"/>
+              </a:spcBef>
+              <a:buFont typeface="Arial" pitchFamily="34" charset="0"/>
+              <a:buChar char="•"/>
+              <a:defRPr sz="2000" kern="1200">
+                <a:solidFill>
+                  <a:schemeClr val="tx1"/>
+                </a:solidFill>
+                <a:latin typeface="+mn-lt"/>
+                <a:ea typeface="+mn-ea"/>
+                <a:cs typeface="+mn-cs"/>
+              </a:defRPr>
+            </a:lvl9pPr>
+          </a:lstStyle>
+          <a:p>
+            <a:pPr marL="0" indent="0" algn="r">
+              <a:buNone/>
+            </a:pPr>
+            <a:r>
+              <a:rPr lang="en-US" sz="3600" spc="-100" dirty="0" smtClean="0">
+                <a:solidFill>
+                  <a:srgbClr val="00A6DD"/>
+                </a:solidFill>
+                <a:latin typeface="Apex New Medium" pitchFamily="50" charset="0"/>
+                <a:ea typeface="Apex New Medium" pitchFamily="50" charset="0"/>
+              </a:rPr>
+              <a:t>Demo</a:t>
+            </a:r>
+            <a:endParaRPr lang="en-US" sz="3600" spc="-100" dirty="0">
+              <a:solidFill>
+                <a:srgbClr val="00A6DD"/>
+              </a:solidFill>
+              <a:latin typeface="Apex New Medium" pitchFamily="50" charset="0"/>
+              <a:ea typeface="Apex New Medium" pitchFamily="50" charset="0"/>
+            </a:endParaRPr>
+          </a:p>
+        </p:txBody>
+      </p:sp>
+      <p:pic>
+        <p:nvPicPr>
+          <p:cNvPr id="1026" name="Picture 2" descr="C:\Users\Administrator\Desktop\set-mokey.png"/>
+          <p:cNvPicPr>
+            <a:picLocks noChangeAspect="1" noChangeArrowheads="1"/>
+          </p:cNvPicPr>
+          <p:nvPr/>
+        </p:nvPicPr>
+        <p:blipFill>
+          <a:blip r:embed="rId2">
+            <a:extLst>
+              <a:ext uri="{28A0092B-C50C-407E-A947-70E740481C1C}">
+                <a14:useLocalDpi xmlns:a14="http://schemas.microsoft.com/office/drawing/2010/main" val="0"/>
+              </a:ext>
+            </a:extLst>
+          </a:blip>
+          <a:srcRect/>
+          <a:stretch>
+            <a:fillRect/>
+          </a:stretch>
+        </p:blipFill>
+        <p:spPr bwMode="auto">
+          <a:xfrm>
+            <a:off x="762000" y="2209800"/>
+            <a:ext cx="5599650" cy="4419600"/>
+          </a:xfrm>
+          <a:prstGeom prst="rect">
+            <a:avLst/>
+          </a:prstGeom>
+          <a:noFill/>
+          <a:extLst>
+            <a:ext uri="{909E8E84-426E-40DD-AFC4-6F175D3DCCD1}">
+              <a14:hiddenFill xmlns:a14="http://schemas.microsoft.com/office/drawing/2010/main">
+                <a:solidFill>
+                  <a:srgbClr val="FFFFFF"/>
+                </a:solidFill>
+              </a14:hiddenFill>
+            </a:ext>
+          </a:extLst>
+        </p:spPr>
+      </p:pic>
+    </p:spTree>
+    <p:extLst>
+      <p:ext uri="{BB962C8B-B14F-4D97-AF65-F5344CB8AC3E}">
+        <p14:creationId xmlns:p14="http://schemas.microsoft.com/office/powerpoint/2010/main" val="3396314848"/>
+      </p:ext>
+    </p:extLst>
+  </p:cSld>
+  <p:clrMapOvr>
+    <a:masterClrMapping/>
+  </p:clrMapOvr>
+  <p:timing>
+    <p:tnLst>
+      <p:par>
+        <p:cTn id="1" dur="indefinite" restart="never" nodeType="tmRoot"/>
+      </p:par>
+    </p:tnLst>
+  </p:timing>
+</p:sld>
+</file>
+
+<file path=ppt/slides/slide11.xml><?xml version="1.0" encoding="utf-8"?>
+<p:sld xmlns:a="http://schemas.openxmlformats.org/drawingml/2006/main" xmlns:r="http://schemas.openxmlformats.org/officeDocument/2006/relationships" xmlns:p="http://schemas.openxmlformats.org/presentationml/2006/main">
+  <p:cSld>
+    <p:spTree>
+      <p:nvGrpSpPr>
+        <p:cNvPr id="1" name=""/>
+        <p:cNvGrpSpPr/>
+        <p:nvPr/>
+      </p:nvGrpSpPr>
+      <p:grpSpPr>
+        <a:xfrm>
+          <a:off x="0" y="0"/>
+          <a:ext cx="0" cy="0"/>
+          <a:chOff x="0" y="0"/>
+          <a:chExt cx="0" cy="0"/>
+        </a:xfrm>
+      </p:grpSpPr>
+      <p:sp>
+        <p:nvSpPr>
+          <p:cNvPr id="2" name="Title 1"/>
+          <p:cNvSpPr>
+            <a:spLocks noGrp="1"/>
+          </p:cNvSpPr>
+          <p:nvPr>
+            <p:ph type="title"/>
+          </p:nvPr>
+        </p:nvSpPr>
+        <p:spPr/>
+        <p:txBody>
+          <a:bodyPr/>
+          <a:lstStyle/>
+          <a:p>
+            <a:r>
+              <a:rPr lang="en-US" dirty="0"/>
+              <a:t>Innovation Day</a:t>
+            </a:r>
+          </a:p>
+        </p:txBody>
+      </p:sp>
+      <p:sp>
+        <p:nvSpPr>
+          <p:cNvPr id="3" name="Content Placeholder 2"/>
+          <p:cNvSpPr>
+            <a:spLocks noGrp="1"/>
+          </p:cNvSpPr>
+          <p:nvPr>
+            <p:ph idx="1"/>
+          </p:nvPr>
+        </p:nvSpPr>
+        <p:spPr/>
+        <p:txBody>
+          <a:bodyPr>
+            <a:normAutofit/>
+          </a:bodyPr>
+          <a:lstStyle/>
+          <a:p>
+            <a:pPr marL="0" indent="0">
+              <a:buNone/>
+            </a:pPr>
+            <a:r>
+              <a:rPr lang="en-US" dirty="0"/>
+              <a:t>MAC OSX</a:t>
+            </a:r>
+          </a:p>
+        </p:txBody>
+      </p:sp>
+      <p:pic>
+        <p:nvPicPr>
+          <p:cNvPr id="4098" name="Picture 2" descr="C:\Users\ble.INTL\Desktop\mac-scanning-process.png"/>
+          <p:cNvPicPr>
+            <a:picLocks noChangeAspect="1" noChangeArrowheads="1"/>
+          </p:cNvPicPr>
+          <p:nvPr/>
+        </p:nvPicPr>
+        <p:blipFill>
+          <a:blip r:embed="rId2">
+            <a:extLst>
+              <a:ext uri="{28A0092B-C50C-407E-A947-70E740481C1C}">
+                <a14:useLocalDpi xmlns:a14="http://schemas.microsoft.com/office/drawing/2010/main" val="0"/>
+              </a:ext>
+            </a:extLst>
+          </a:blip>
+          <a:srcRect/>
+          <a:stretch>
+            <a:fillRect/>
+          </a:stretch>
+        </p:blipFill>
+        <p:spPr bwMode="auto">
+          <a:xfrm>
+            <a:off x="914400" y="2342100"/>
+            <a:ext cx="5314950" cy="4211100"/>
+          </a:xfrm>
+          <a:prstGeom prst="rect">
+            <a:avLst/>
+          </a:prstGeom>
+          <a:noFill/>
+          <a:extLst>
+            <a:ext uri="{909E8E84-426E-40DD-AFC4-6F175D3DCCD1}">
+              <a14:hiddenFill xmlns:a14="http://schemas.microsoft.com/office/drawing/2010/main">
+                <a:solidFill>
+                  <a:srgbClr val="FFFFFF"/>
+                </a:solidFill>
+              </a14:hiddenFill>
+            </a:ext>
+          </a:extLst>
+        </p:spPr>
+      </p:pic>
+      <p:sp>
+        <p:nvSpPr>
+          <p:cNvPr id="5" name="Text Placeholder 6"/>
+          <p:cNvSpPr txBox="1">
+            <a:spLocks/>
+          </p:cNvSpPr>
+          <p:nvPr/>
+        </p:nvSpPr>
+        <p:spPr>
+          <a:xfrm>
+            <a:off x="1417320" y="685800"/>
+            <a:ext cx="7086600" cy="762000"/>
+          </a:xfrm>
+          <a:prstGeom prst="rect">
+            <a:avLst/>
+          </a:prstGeom>
+        </p:spPr>
+        <p:txBody>
+          <a:bodyPr/>
+          <a:lstStyle>
+            <a:lvl1pPr marL="342900" indent="-342900" algn="l" defTabSz="914400" rtl="0" eaLnBrk="1" latinLnBrk="0" hangingPunct="1">
+              <a:spcBef>
+                <a:spcPct val="20000"/>
+              </a:spcBef>
+              <a:buClr>
+                <a:srgbClr val="00AEDE"/>
+              </a:buClr>
+              <a:buSzPct val="80000"/>
+              <a:buFont typeface="Wingdings" pitchFamily="2" charset="2"/>
+              <a:buChar char="§"/>
+              <a:defRPr sz="2400" kern="1200">
+                <a:solidFill>
+                  <a:schemeClr val="tx1"/>
+                </a:solidFill>
+                <a:latin typeface="Apex New Book" pitchFamily="50" charset="0"/>
+                <a:ea typeface="Apex New Book" pitchFamily="50" charset="0"/>
+                <a:cs typeface="+mn-cs"/>
+              </a:defRPr>
+            </a:lvl1pPr>
+            <a:lvl2pPr marL="742950" indent="-285750" algn="l" defTabSz="914400" rtl="0" eaLnBrk="1" latinLnBrk="0" hangingPunct="1">
+              <a:spcBef>
+                <a:spcPct val="20000"/>
+              </a:spcBef>
+              <a:buClr>
+                <a:srgbClr val="00AEDE"/>
+              </a:buClr>
+              <a:buSzPct val="80000"/>
+              <a:buFont typeface="Wingdings" pitchFamily="2" charset="2"/>
+              <a:buChar char="§"/>
+              <a:defRPr sz="1800" kern="1200">
+                <a:solidFill>
+                  <a:schemeClr val="tx1"/>
+                </a:solidFill>
+                <a:latin typeface="Apex New Book" pitchFamily="50" charset="0"/>
+                <a:ea typeface="Apex New Book" pitchFamily="50" charset="0"/>
+                <a:cs typeface="+mn-cs"/>
+              </a:defRPr>
+            </a:lvl2pPr>
+            <a:lvl3pPr marL="1082675" indent="-228600" algn="l" defTabSz="914400" rtl="0" eaLnBrk="1" latinLnBrk="0" hangingPunct="1">
+              <a:spcBef>
+                <a:spcPct val="20000"/>
+              </a:spcBef>
+              <a:buClr>
+                <a:srgbClr val="00AEDE"/>
+              </a:buClr>
+              <a:buSzPct val="80000"/>
+              <a:buFont typeface="Wingdings" pitchFamily="2" charset="2"/>
+              <a:buChar char="§"/>
+              <a:tabLst>
+                <a:tab pos="1025525" algn="l"/>
+              </a:tabLst>
+              <a:defRPr sz="1600" kern="1200">
+                <a:solidFill>
+                  <a:schemeClr val="tx1"/>
+                </a:solidFill>
+                <a:latin typeface="Apex New Book" pitchFamily="50" charset="0"/>
+                <a:ea typeface="Apex New Book" pitchFamily="50" charset="0"/>
+                <a:cs typeface="+mn-cs"/>
+              </a:defRPr>
+            </a:lvl3pPr>
+            <a:lvl4pPr marL="1430338" indent="-228600" algn="l" defTabSz="914400" rtl="0" eaLnBrk="1" latinLnBrk="0" hangingPunct="1">
+              <a:spcBef>
+                <a:spcPct val="20000"/>
+              </a:spcBef>
+              <a:buClr>
+                <a:srgbClr val="00AEDE"/>
+              </a:buClr>
+              <a:buSzPct val="80000"/>
+              <a:buFont typeface="Wingdings" pitchFamily="2" charset="2"/>
+              <a:buChar char="§"/>
+              <a:defRPr sz="1400" kern="1200">
+                <a:solidFill>
+                  <a:schemeClr val="tx1"/>
+                </a:solidFill>
+                <a:latin typeface="Apex New Book" pitchFamily="50" charset="0"/>
+                <a:ea typeface="Apex New Book" pitchFamily="50" charset="0"/>
+                <a:cs typeface="+mn-cs"/>
+              </a:defRPr>
+            </a:lvl4pPr>
+            <a:lvl5pPr marL="1714500" indent="-228600" algn="l" defTabSz="914400" rtl="0" eaLnBrk="1" latinLnBrk="0" hangingPunct="1">
+              <a:spcBef>
+                <a:spcPct val="20000"/>
+              </a:spcBef>
+              <a:buClr>
+                <a:srgbClr val="00AEDE"/>
+              </a:buClr>
+              <a:buSzPct val="80000"/>
+              <a:buFont typeface="Wingdings" pitchFamily="2" charset="2"/>
+              <a:buChar char="§"/>
+              <a:defRPr sz="1400" kern="1200">
+                <a:solidFill>
+                  <a:schemeClr val="tx1"/>
+                </a:solidFill>
+                <a:latin typeface="Apex New Book" pitchFamily="50" charset="0"/>
+                <a:ea typeface="Apex New Book" pitchFamily="50" charset="0"/>
+                <a:cs typeface="+mn-cs"/>
+              </a:defRPr>
+            </a:lvl5pPr>
+            <a:lvl6pPr marL="2514600" indent="-228600" algn="l" defTabSz="914400" rtl="0" eaLnBrk="1" latinLnBrk="0" hangingPunct="1">
+              <a:spcBef>
+                <a:spcPct val="20000"/>
+              </a:spcBef>
+              <a:buFont typeface="Arial" pitchFamily="34" charset="0"/>
+              <a:buChar char="•"/>
+              <a:defRPr sz="2000" kern="1200">
+                <a:solidFill>
+                  <a:schemeClr val="tx1"/>
+                </a:solidFill>
+                <a:latin typeface="+mn-lt"/>
+                <a:ea typeface="+mn-ea"/>
+                <a:cs typeface="+mn-cs"/>
+              </a:defRPr>
+            </a:lvl6pPr>
+            <a:lvl7pPr marL="2971800" indent="-228600" algn="l" defTabSz="914400" rtl="0" eaLnBrk="1" latinLnBrk="0" hangingPunct="1">
+              <a:spcBef>
+                <a:spcPct val="20000"/>
+              </a:spcBef>
+              <a:buFont typeface="Arial" pitchFamily="34" charset="0"/>
+              <a:buChar char="•"/>
+              <a:defRPr sz="2000" kern="1200">
+                <a:solidFill>
+                  <a:schemeClr val="tx1"/>
+                </a:solidFill>
+                <a:latin typeface="+mn-lt"/>
+                <a:ea typeface="+mn-ea"/>
+                <a:cs typeface="+mn-cs"/>
+              </a:defRPr>
+            </a:lvl7pPr>
+            <a:lvl8pPr marL="3429000" indent="-228600" algn="l" defTabSz="914400" rtl="0" eaLnBrk="1" latinLnBrk="0" hangingPunct="1">
+              <a:spcBef>
+                <a:spcPct val="20000"/>
+              </a:spcBef>
+              <a:buFont typeface="Arial" pitchFamily="34" charset="0"/>
+              <a:buChar char="•"/>
+              <a:defRPr sz="2000" kern="1200">
+                <a:solidFill>
+                  <a:schemeClr val="tx1"/>
+                </a:solidFill>
+                <a:latin typeface="+mn-lt"/>
+                <a:ea typeface="+mn-ea"/>
+                <a:cs typeface="+mn-cs"/>
+              </a:defRPr>
+            </a:lvl8pPr>
+            <a:lvl9pPr marL="3886200" indent="-228600" algn="l" defTabSz="914400" rtl="0" eaLnBrk="1" latinLnBrk="0" hangingPunct="1">
+              <a:spcBef>
+                <a:spcPct val="20000"/>
+              </a:spcBef>
+              <a:buFont typeface="Arial" pitchFamily="34" charset="0"/>
+              <a:buChar char="•"/>
+              <a:defRPr sz="2000" kern="1200">
+                <a:solidFill>
+                  <a:schemeClr val="tx1"/>
+                </a:solidFill>
+                <a:latin typeface="+mn-lt"/>
+                <a:ea typeface="+mn-ea"/>
+                <a:cs typeface="+mn-cs"/>
+              </a:defRPr>
+            </a:lvl9pPr>
+          </a:lstStyle>
+          <a:p>
+            <a:pPr marL="0" indent="0" algn="r">
+              <a:buNone/>
+            </a:pPr>
+            <a:r>
+              <a:rPr lang="en-US" sz="3600" spc="-100" dirty="0" smtClean="0">
+                <a:solidFill>
+                  <a:srgbClr val="00A6DD"/>
+                </a:solidFill>
+                <a:latin typeface="Apex New Medium" pitchFamily="50" charset="0"/>
+                <a:ea typeface="Apex New Medium" pitchFamily="50" charset="0"/>
+              </a:rPr>
+              <a:t>Demo</a:t>
+            </a:r>
+            <a:endParaRPr lang="en-US" sz="3600" spc="-100" dirty="0">
+              <a:solidFill>
+                <a:srgbClr val="00A6DD"/>
+              </a:solidFill>
+              <a:latin typeface="Apex New Medium" pitchFamily="50" charset="0"/>
+              <a:ea typeface="Apex New Medium" pitchFamily="50" charset="0"/>
+            </a:endParaRPr>
+          </a:p>
+        </p:txBody>
+      </p:sp>
+    </p:spTree>
+    <p:extLst>
+      <p:ext uri="{BB962C8B-B14F-4D97-AF65-F5344CB8AC3E}">
+        <p14:creationId xmlns:p14="http://schemas.microsoft.com/office/powerpoint/2010/main" val="2561587821"/>
+      </p:ext>
+    </p:extLst>
+  </p:cSld>
+  <p:clrMapOvr>
+    <a:masterClrMapping/>
+  </p:clrMapOvr>
+  <p:timing>
+    <p:tnLst>
+      <p:par>
+        <p:cTn id="1" dur="indefinite" restart="never" nodeType="tmRoot"/>
+      </p:par>
+    </p:tnLst>
+  </p:timing>
+</p:sld>
+</file>
+
+<file path=ppt/slides/slide12.xml><?xml version="1.0" encoding="utf-8"?>
+<p:sld xmlns:a="http://schemas.openxmlformats.org/drawingml/2006/main" xmlns:r="http://schemas.openxmlformats.org/officeDocument/2006/relationships" xmlns:p="http://schemas.openxmlformats.org/presentationml/2006/main">
+  <p:cSld>
+    <p:spTree>
+      <p:nvGrpSpPr>
+        <p:cNvPr id="1" name=""/>
+        <p:cNvGrpSpPr/>
+        <p:nvPr/>
+      </p:nvGrpSpPr>
+      <p:grpSpPr>
+        <a:xfrm>
+          <a:off x="0" y="0"/>
+          <a:ext cx="0" cy="0"/>
+          <a:chOff x="0" y="0"/>
+          <a:chExt cx="0" cy="0"/>
+        </a:xfrm>
+      </p:grpSpPr>
+      <p:sp>
+        <p:nvSpPr>
+          <p:cNvPr id="2" name="Title 1"/>
+          <p:cNvSpPr>
+            <a:spLocks noGrp="1"/>
+          </p:cNvSpPr>
+          <p:nvPr>
+            <p:ph type="title"/>
+          </p:nvPr>
+        </p:nvSpPr>
+        <p:spPr/>
+        <p:txBody>
+          <a:bodyPr/>
+          <a:lstStyle/>
+          <a:p>
+            <a:r>
+              <a:rPr lang="en-US" dirty="0"/>
+              <a:t>Innovation Day</a:t>
+            </a:r>
           </a:p>
         </p:txBody>
       </p:sp>
@@ -4295,7 +4961,7 @@
 </p:sld>
 </file>
 
-<file path=ppt/slides/slide11.xml><?xml version="1.0" encoding="utf-8"?>
+<file path=ppt/slides/slide13.xml><?xml version="1.0" encoding="utf-8"?>
 <p:sld xmlns:a="http://schemas.openxmlformats.org/drawingml/2006/main" xmlns:r="http://schemas.openxmlformats.org/officeDocument/2006/relationships" xmlns:p="http://schemas.openxmlformats.org/presentationml/2006/main">
   <p:cSld>
     <p:spTree>
@@ -4331,7 +4997,6 @@
               <a:rPr lang="en-US" dirty="0"/>
               <a:t>Innovation Day</a:t>
             </a:r>
-            <a:endParaRPr lang="en-US" dirty="0"/>
           </a:p>
         </p:txBody>
       </p:sp>
@@ -4637,7 +5302,7 @@
 </p:sld>
 </file>
 
-<file path=ppt/slides/slide12.xml><?xml version="1.0" encoding="utf-8"?>
+<file path=ppt/slides/slide14.xml><?xml version="1.0" encoding="utf-8"?>
 <p:sld xmlns:a="http://schemas.openxmlformats.org/drawingml/2006/main" xmlns:r="http://schemas.openxmlformats.org/officeDocument/2006/relationships" xmlns:p="http://schemas.openxmlformats.org/presentationml/2006/main">
   <p:cSld>
     <p:spTree>
@@ -4673,7 +5338,6 @@
               <a:rPr lang="en-US" dirty="0"/>
               <a:t>Innovation Day</a:t>
             </a:r>
-            <a:endParaRPr lang="en-US" dirty="0"/>
           </a:p>
         </p:txBody>
       </p:sp>
@@ -4966,7 +5630,7 @@
 </p:sld>
 </file>
 
-<file path=ppt/slides/slide13.xml><?xml version="1.0" encoding="utf-8"?>
+<file path=ppt/slides/slide15.xml><?xml version="1.0" encoding="utf-8"?>
 <p:sld xmlns:a="http://schemas.openxmlformats.org/drawingml/2006/main" xmlns:r="http://schemas.openxmlformats.org/officeDocument/2006/relationships" xmlns:p="http://schemas.openxmlformats.org/presentationml/2006/main">
   <p:cSld>
     <p:spTree>
@@ -5002,7 +5666,6 @@
               <a:rPr lang="en-US" dirty="0"/>
               <a:t>Innovation Day</a:t>
             </a:r>
-            <a:endParaRPr lang="en-US" dirty="0"/>
           </a:p>
         </p:txBody>
       </p:sp>
@@ -5295,7 +5958,7 @@
 </p:sld>
 </file>
 
-<file path=ppt/slides/slide14.xml><?xml version="1.0" encoding="utf-8"?>
+<file path=ppt/slides/slide16.xml><?xml version="1.0" encoding="utf-8"?>
 <p:sld xmlns:a="http://schemas.openxmlformats.org/drawingml/2006/main" xmlns:r="http://schemas.openxmlformats.org/officeDocument/2006/relationships" xmlns:p="http://schemas.openxmlformats.org/presentationml/2006/main">
   <p:cSld>
     <p:spTree>
@@ -5331,7 +5994,6 @@
               <a:rPr lang="en-US" dirty="0"/>
               <a:t>Innovation Day</a:t>
             </a:r>
-            <a:endParaRPr lang="en-US" dirty="0"/>
           </a:p>
         </p:txBody>
       </p:sp>
@@ -5624,7 +6286,7 @@
 </p:sld>
 </file>
 
-<file path=ppt/slides/slide15.xml><?xml version="1.0" encoding="utf-8"?>
+<file path=ppt/slides/slide17.xml><?xml version="1.0" encoding="utf-8"?>
 <p:sld xmlns:a="http://schemas.openxmlformats.org/drawingml/2006/main" xmlns:r="http://schemas.openxmlformats.org/officeDocument/2006/relationships" xmlns:p="http://schemas.openxmlformats.org/presentationml/2006/main">
   <p:cSld>
     <p:spTree>
@@ -5660,7 +6322,6 @@
               <a:rPr lang="en-US" dirty="0"/>
               <a:t>Innovation Day</a:t>
             </a:r>
-            <a:endParaRPr lang="en-US" dirty="0"/>
           </a:p>
         </p:txBody>
       </p:sp>
@@ -5953,7 +6614,7 @@
 </p:sld>
 </file>
 
-<file path=ppt/slides/slide16.xml><?xml version="1.0" encoding="utf-8"?>
+<file path=ppt/slides/slide18.xml><?xml version="1.0" encoding="utf-8"?>
 <p:sld xmlns:a="http://schemas.openxmlformats.org/drawingml/2006/main" xmlns:r="http://schemas.openxmlformats.org/officeDocument/2006/relationships" xmlns:p="http://schemas.openxmlformats.org/presentationml/2006/main">
   <p:cSld>
     <p:spTree>
@@ -5989,7 +6650,6 @@
               <a:rPr lang="en-US" dirty="0"/>
               <a:t>Innovation Day</a:t>
             </a:r>
-            <a:endParaRPr lang="en-US" dirty="0"/>
           </a:p>
         </p:txBody>
       </p:sp>
@@ -6364,641 +7024,6 @@
 </p:sld>
 </file>
 
-<file path=ppt/slides/slide17.xml><?xml version="1.0" encoding="utf-8"?>
-<p:sld xmlns:a="http://schemas.openxmlformats.org/drawingml/2006/main" xmlns:r="http://schemas.openxmlformats.org/officeDocument/2006/relationships" xmlns:p="http://schemas.openxmlformats.org/presentationml/2006/main">
-  <p:cSld>
-    <p:spTree>
-      <p:nvGrpSpPr>
-        <p:cNvPr id="1" name=""/>
-        <p:cNvGrpSpPr/>
-        <p:nvPr/>
-      </p:nvGrpSpPr>
-      <p:grpSpPr>
-        <a:xfrm>
-          <a:off x="0" y="0"/>
-          <a:ext cx="0" cy="0"/>
-          <a:chOff x="0" y="0"/>
-          <a:chExt cx="0" cy="0"/>
-        </a:xfrm>
-      </p:grpSpPr>
-      <p:sp>
-        <p:nvSpPr>
-          <p:cNvPr id="2" name="Title 1"/>
-          <p:cNvSpPr>
-            <a:spLocks noGrp="1"/>
-          </p:cNvSpPr>
-          <p:nvPr>
-            <p:ph type="title"/>
-          </p:nvPr>
-        </p:nvSpPr>
-        <p:spPr/>
-        <p:txBody>
-          <a:bodyPr/>
-          <a:lstStyle/>
-          <a:p>
-            <a:r>
-              <a:rPr lang="en-US" dirty="0"/>
-              <a:t>Innovation Day</a:t>
-            </a:r>
-            <a:endParaRPr lang="en-US" dirty="0"/>
-          </a:p>
-        </p:txBody>
-      </p:sp>
-      <p:sp>
-        <p:nvSpPr>
-          <p:cNvPr id="3" name="Content Placeholder 2"/>
-          <p:cNvSpPr>
-            <a:spLocks noGrp="1"/>
-          </p:cNvSpPr>
-          <p:nvPr>
-            <p:ph idx="1"/>
-          </p:nvPr>
-        </p:nvSpPr>
-        <p:spPr/>
-        <p:txBody>
-          <a:bodyPr/>
-          <a:lstStyle/>
-          <a:p>
-            <a:pPr>
-              <a:buFont typeface="Arial" panose="020B0604020202020204" pitchFamily="34" charset="0"/>
-              <a:buChar char="•"/>
-            </a:pPr>
-            <a:r>
-              <a:rPr lang="en-US" dirty="0" smtClean="0"/>
-              <a:t>Upload many heavy files at the same time</a:t>
-            </a:r>
-          </a:p>
-          <a:p>
-            <a:pPr>
-              <a:buFont typeface="Arial" panose="020B0604020202020204" pitchFamily="34" charset="0"/>
-              <a:buChar char="•"/>
-            </a:pPr>
-            <a:r>
-              <a:rPr lang="en-US" dirty="0" smtClean="0"/>
-              <a:t>Some potential bugs because it is none of QA.</a:t>
-            </a:r>
-          </a:p>
-          <a:p>
-            <a:pPr marL="0" indent="0">
-              <a:buNone/>
-            </a:pPr>
-            <a:endParaRPr lang="en-US" dirty="0" smtClean="0"/>
-          </a:p>
-        </p:txBody>
-      </p:sp>
-      <p:sp>
-        <p:nvSpPr>
-          <p:cNvPr id="7" name="Text Placeholder 6"/>
-          <p:cNvSpPr txBox="1">
-            <a:spLocks/>
-          </p:cNvSpPr>
-          <p:nvPr/>
-        </p:nvSpPr>
-        <p:spPr>
-          <a:xfrm>
-            <a:off x="1417320" y="685800"/>
-            <a:ext cx="7086600" cy="762000"/>
-          </a:xfrm>
-          <a:prstGeom prst="rect">
-            <a:avLst/>
-          </a:prstGeom>
-        </p:spPr>
-        <p:txBody>
-          <a:bodyPr/>
-          <a:lstStyle>
-            <a:lvl1pPr marL="342900" indent="-342900" algn="l" defTabSz="914400" rtl="0" eaLnBrk="1" latinLnBrk="0" hangingPunct="1">
-              <a:spcBef>
-                <a:spcPct val="20000"/>
-              </a:spcBef>
-              <a:buClr>
-                <a:srgbClr val="00AEDE"/>
-              </a:buClr>
-              <a:buSzPct val="80000"/>
-              <a:buFont typeface="Wingdings" pitchFamily="2" charset="2"/>
-              <a:buChar char="§"/>
-              <a:defRPr sz="2400" kern="1200">
-                <a:solidFill>
-                  <a:schemeClr val="tx1"/>
-                </a:solidFill>
-                <a:latin typeface="Apex New Book" pitchFamily="50" charset="0"/>
-                <a:ea typeface="Apex New Book" pitchFamily="50" charset="0"/>
-                <a:cs typeface="+mn-cs"/>
-              </a:defRPr>
-            </a:lvl1pPr>
-            <a:lvl2pPr marL="742950" indent="-285750" algn="l" defTabSz="914400" rtl="0" eaLnBrk="1" latinLnBrk="0" hangingPunct="1">
-              <a:spcBef>
-                <a:spcPct val="20000"/>
-              </a:spcBef>
-              <a:buClr>
-                <a:srgbClr val="00AEDE"/>
-              </a:buClr>
-              <a:buSzPct val="80000"/>
-              <a:buFont typeface="Wingdings" pitchFamily="2" charset="2"/>
-              <a:buChar char="§"/>
-              <a:defRPr sz="1800" kern="1200">
-                <a:solidFill>
-                  <a:schemeClr val="tx1"/>
-                </a:solidFill>
-                <a:latin typeface="Apex New Book" pitchFamily="50" charset="0"/>
-                <a:ea typeface="Apex New Book" pitchFamily="50" charset="0"/>
-                <a:cs typeface="+mn-cs"/>
-              </a:defRPr>
-            </a:lvl2pPr>
-            <a:lvl3pPr marL="1082675" indent="-228600" algn="l" defTabSz="914400" rtl="0" eaLnBrk="1" latinLnBrk="0" hangingPunct="1">
-              <a:spcBef>
-                <a:spcPct val="20000"/>
-              </a:spcBef>
-              <a:buClr>
-                <a:srgbClr val="00AEDE"/>
-              </a:buClr>
-              <a:buSzPct val="80000"/>
-              <a:buFont typeface="Wingdings" pitchFamily="2" charset="2"/>
-              <a:buChar char="§"/>
-              <a:tabLst>
-                <a:tab pos="1025525" algn="l"/>
-              </a:tabLst>
-              <a:defRPr sz="1600" kern="1200">
-                <a:solidFill>
-                  <a:schemeClr val="tx1"/>
-                </a:solidFill>
-                <a:latin typeface="Apex New Book" pitchFamily="50" charset="0"/>
-                <a:ea typeface="Apex New Book" pitchFamily="50" charset="0"/>
-                <a:cs typeface="+mn-cs"/>
-              </a:defRPr>
-            </a:lvl3pPr>
-            <a:lvl4pPr marL="1430338" indent="-228600" algn="l" defTabSz="914400" rtl="0" eaLnBrk="1" latinLnBrk="0" hangingPunct="1">
-              <a:spcBef>
-                <a:spcPct val="20000"/>
-              </a:spcBef>
-              <a:buClr>
-                <a:srgbClr val="00AEDE"/>
-              </a:buClr>
-              <a:buSzPct val="80000"/>
-              <a:buFont typeface="Wingdings" pitchFamily="2" charset="2"/>
-              <a:buChar char="§"/>
-              <a:defRPr sz="1400" kern="1200">
-                <a:solidFill>
-                  <a:schemeClr val="tx1"/>
-                </a:solidFill>
-                <a:latin typeface="Apex New Book" pitchFamily="50" charset="0"/>
-                <a:ea typeface="Apex New Book" pitchFamily="50" charset="0"/>
-                <a:cs typeface="+mn-cs"/>
-              </a:defRPr>
-            </a:lvl4pPr>
-            <a:lvl5pPr marL="1714500" indent="-228600" algn="l" defTabSz="914400" rtl="0" eaLnBrk="1" latinLnBrk="0" hangingPunct="1">
-              <a:spcBef>
-                <a:spcPct val="20000"/>
-              </a:spcBef>
-              <a:buClr>
-                <a:srgbClr val="00AEDE"/>
-              </a:buClr>
-              <a:buSzPct val="80000"/>
-              <a:buFont typeface="Wingdings" pitchFamily="2" charset="2"/>
-              <a:buChar char="§"/>
-              <a:defRPr sz="1400" kern="1200">
-                <a:solidFill>
-                  <a:schemeClr val="tx1"/>
-                </a:solidFill>
-                <a:latin typeface="Apex New Book" pitchFamily="50" charset="0"/>
-                <a:ea typeface="Apex New Book" pitchFamily="50" charset="0"/>
-                <a:cs typeface="+mn-cs"/>
-              </a:defRPr>
-            </a:lvl5pPr>
-            <a:lvl6pPr marL="2514600" indent="-228600" algn="l" defTabSz="914400" rtl="0" eaLnBrk="1" latinLnBrk="0" hangingPunct="1">
-              <a:spcBef>
-                <a:spcPct val="20000"/>
-              </a:spcBef>
-              <a:buFont typeface="Arial" pitchFamily="34" charset="0"/>
-              <a:buChar char="•"/>
-              <a:defRPr sz="2000" kern="1200">
-                <a:solidFill>
-                  <a:schemeClr val="tx1"/>
-                </a:solidFill>
-                <a:latin typeface="+mn-lt"/>
-                <a:ea typeface="+mn-ea"/>
-                <a:cs typeface="+mn-cs"/>
-              </a:defRPr>
-            </a:lvl6pPr>
-            <a:lvl7pPr marL="2971800" indent="-228600" algn="l" defTabSz="914400" rtl="0" eaLnBrk="1" latinLnBrk="0" hangingPunct="1">
-              <a:spcBef>
-                <a:spcPct val="20000"/>
-              </a:spcBef>
-              <a:buFont typeface="Arial" pitchFamily="34" charset="0"/>
-              <a:buChar char="•"/>
-              <a:defRPr sz="2000" kern="1200">
-                <a:solidFill>
-                  <a:schemeClr val="tx1"/>
-                </a:solidFill>
-                <a:latin typeface="+mn-lt"/>
-                <a:ea typeface="+mn-ea"/>
-                <a:cs typeface="+mn-cs"/>
-              </a:defRPr>
-            </a:lvl7pPr>
-            <a:lvl8pPr marL="3429000" indent="-228600" algn="l" defTabSz="914400" rtl="0" eaLnBrk="1" latinLnBrk="0" hangingPunct="1">
-              <a:spcBef>
-                <a:spcPct val="20000"/>
-              </a:spcBef>
-              <a:buFont typeface="Arial" pitchFamily="34" charset="0"/>
-              <a:buChar char="•"/>
-              <a:defRPr sz="2000" kern="1200">
-                <a:solidFill>
-                  <a:schemeClr val="tx1"/>
-                </a:solidFill>
-                <a:latin typeface="+mn-lt"/>
-                <a:ea typeface="+mn-ea"/>
-                <a:cs typeface="+mn-cs"/>
-              </a:defRPr>
-            </a:lvl8pPr>
-            <a:lvl9pPr marL="3886200" indent="-228600" algn="l" defTabSz="914400" rtl="0" eaLnBrk="1" latinLnBrk="0" hangingPunct="1">
-              <a:spcBef>
-                <a:spcPct val="20000"/>
-              </a:spcBef>
-              <a:buFont typeface="Arial" pitchFamily="34" charset="0"/>
-              <a:buChar char="•"/>
-              <a:defRPr sz="2000" kern="1200">
-                <a:solidFill>
-                  <a:schemeClr val="tx1"/>
-                </a:solidFill>
-                <a:latin typeface="+mn-lt"/>
-                <a:ea typeface="+mn-ea"/>
-                <a:cs typeface="+mn-cs"/>
-              </a:defRPr>
-            </a:lvl9pPr>
-          </a:lstStyle>
-          <a:p>
-            <a:pPr marL="0" indent="0" algn="r">
-              <a:buNone/>
-            </a:pPr>
-            <a:r>
-              <a:rPr lang="en-US" sz="3600" spc="-100" dirty="0" smtClean="0">
-                <a:solidFill>
-                  <a:srgbClr val="00A6DD"/>
-                </a:solidFill>
-                <a:latin typeface="Apex New Medium" pitchFamily="50" charset="0"/>
-                <a:ea typeface="Apex New Medium" pitchFamily="50" charset="0"/>
-              </a:rPr>
-              <a:t>Limitation</a:t>
-            </a:r>
-            <a:endParaRPr lang="en-US" sz="3600" spc="-100" dirty="0">
-              <a:solidFill>
-                <a:srgbClr val="00A6DD"/>
-              </a:solidFill>
-              <a:latin typeface="Apex New Medium" pitchFamily="50" charset="0"/>
-              <a:ea typeface="Apex New Medium" pitchFamily="50" charset="0"/>
-            </a:endParaRPr>
-          </a:p>
-        </p:txBody>
-      </p:sp>
-    </p:spTree>
-    <p:extLst>
-      <p:ext uri="{BB962C8B-B14F-4D97-AF65-F5344CB8AC3E}">
-        <p14:creationId xmlns:p14="http://schemas.microsoft.com/office/powerpoint/2010/main" val="3698089920"/>
-      </p:ext>
-    </p:extLst>
-  </p:cSld>
-  <p:clrMapOvr>
-    <a:masterClrMapping/>
-  </p:clrMapOvr>
-  <p:timing>
-    <p:tnLst>
-      <p:par>
-        <p:cTn id="1" dur="indefinite" restart="never" nodeType="tmRoot"/>
-      </p:par>
-    </p:tnLst>
-  </p:timing>
-</p:sld>
-</file>
-
-<file path=ppt/slides/slide18.xml><?xml version="1.0" encoding="utf-8"?>
-<p:sld xmlns:a="http://schemas.openxmlformats.org/drawingml/2006/main" xmlns:r="http://schemas.openxmlformats.org/officeDocument/2006/relationships" xmlns:p="http://schemas.openxmlformats.org/presentationml/2006/main">
-  <p:cSld>
-    <p:spTree>
-      <p:nvGrpSpPr>
-        <p:cNvPr id="1" name=""/>
-        <p:cNvGrpSpPr/>
-        <p:nvPr/>
-      </p:nvGrpSpPr>
-      <p:grpSpPr>
-        <a:xfrm>
-          <a:off x="0" y="0"/>
-          <a:ext cx="0" cy="0"/>
-          <a:chOff x="0" y="0"/>
-          <a:chExt cx="0" cy="0"/>
-        </a:xfrm>
-      </p:grpSpPr>
-      <p:sp>
-        <p:nvSpPr>
-          <p:cNvPr id="2" name="Title 1"/>
-          <p:cNvSpPr>
-            <a:spLocks noGrp="1"/>
-          </p:cNvSpPr>
-          <p:nvPr>
-            <p:ph type="title"/>
-          </p:nvPr>
-        </p:nvSpPr>
-        <p:spPr/>
-        <p:txBody>
-          <a:bodyPr/>
-          <a:lstStyle/>
-          <a:p>
-            <a:r>
-              <a:rPr lang="en-US" dirty="0"/>
-              <a:t>Innovation Day</a:t>
-            </a:r>
-            <a:endParaRPr lang="en-US" dirty="0"/>
-          </a:p>
-        </p:txBody>
-      </p:sp>
-      <p:sp>
-        <p:nvSpPr>
-          <p:cNvPr id="3" name="Content Placeholder 2"/>
-          <p:cNvSpPr>
-            <a:spLocks noGrp="1"/>
-          </p:cNvSpPr>
-          <p:nvPr>
-            <p:ph idx="1"/>
-          </p:nvPr>
-        </p:nvSpPr>
-        <p:spPr/>
-        <p:txBody>
-          <a:bodyPr/>
-          <a:lstStyle/>
-          <a:p>
-            <a:pPr>
-              <a:buFont typeface="Arial" panose="020B0604020202020204" pitchFamily="34" charset="0"/>
-              <a:buChar char="•"/>
-            </a:pPr>
-            <a:r>
-              <a:rPr lang="en-US" dirty="0" smtClean="0"/>
-              <a:t>http</a:t>
-            </a:r>
-            <a:r>
-              <a:rPr lang="en-US" dirty="0"/>
-              <a:t>://</a:t>
-            </a:r>
-            <a:r>
-              <a:rPr lang="en-US" dirty="0"/>
-              <a:t>qt.digia.com</a:t>
-            </a:r>
-          </a:p>
-          <a:p>
-            <a:pPr>
-              <a:buFont typeface="Arial" panose="020B0604020202020204" pitchFamily="34" charset="0"/>
-              <a:buChar char="•"/>
-            </a:pPr>
-            <a:r>
-              <a:rPr lang="en-US" dirty="0" smtClean="0"/>
-              <a:t>https</a:t>
-            </a:r>
-            <a:r>
-              <a:rPr lang="en-US" dirty="0"/>
-              <a:t>://</a:t>
-            </a:r>
-            <a:r>
-              <a:rPr lang="en-US" dirty="0" smtClean="0"/>
-              <a:t>www.virustotal.com/en/documentation/desktop-applications/mac-osx-uploader</a:t>
-            </a:r>
-          </a:p>
-          <a:p>
-            <a:pPr>
-              <a:buFont typeface="Arial" panose="020B0604020202020204" pitchFamily="34" charset="0"/>
-              <a:buChar char="•"/>
-            </a:pPr>
-            <a:r>
-              <a:rPr lang="en-US" dirty="0"/>
-              <a:t>https://</a:t>
-            </a:r>
-            <a:r>
-              <a:rPr lang="en-US" dirty="0" smtClean="0"/>
-              <a:t>github.com/VirusTotal/qt-virustotal-uploader</a:t>
-            </a:r>
-            <a:endParaRPr lang="en-US" dirty="0"/>
-          </a:p>
-        </p:txBody>
-      </p:sp>
-      <p:sp>
-        <p:nvSpPr>
-          <p:cNvPr id="7" name="Text Placeholder 6"/>
-          <p:cNvSpPr txBox="1">
-            <a:spLocks/>
-          </p:cNvSpPr>
-          <p:nvPr/>
-        </p:nvSpPr>
-        <p:spPr>
-          <a:xfrm>
-            <a:off x="1417320" y="685800"/>
-            <a:ext cx="7086600" cy="762000"/>
-          </a:xfrm>
-          <a:prstGeom prst="rect">
-            <a:avLst/>
-          </a:prstGeom>
-        </p:spPr>
-        <p:txBody>
-          <a:bodyPr/>
-          <a:lstStyle>
-            <a:lvl1pPr marL="342900" indent="-342900" algn="l" defTabSz="914400" rtl="0" eaLnBrk="1" latinLnBrk="0" hangingPunct="1">
-              <a:spcBef>
-                <a:spcPct val="20000"/>
-              </a:spcBef>
-              <a:buClr>
-                <a:srgbClr val="00AEDE"/>
-              </a:buClr>
-              <a:buSzPct val="80000"/>
-              <a:buFont typeface="Wingdings" pitchFamily="2" charset="2"/>
-              <a:buChar char="§"/>
-              <a:defRPr sz="2400" kern="1200">
-                <a:solidFill>
-                  <a:schemeClr val="tx1"/>
-                </a:solidFill>
-                <a:latin typeface="Apex New Book" pitchFamily="50" charset="0"/>
-                <a:ea typeface="Apex New Book" pitchFamily="50" charset="0"/>
-                <a:cs typeface="+mn-cs"/>
-              </a:defRPr>
-            </a:lvl1pPr>
-            <a:lvl2pPr marL="742950" indent="-285750" algn="l" defTabSz="914400" rtl="0" eaLnBrk="1" latinLnBrk="0" hangingPunct="1">
-              <a:spcBef>
-                <a:spcPct val="20000"/>
-              </a:spcBef>
-              <a:buClr>
-                <a:srgbClr val="00AEDE"/>
-              </a:buClr>
-              <a:buSzPct val="80000"/>
-              <a:buFont typeface="Wingdings" pitchFamily="2" charset="2"/>
-              <a:buChar char="§"/>
-              <a:defRPr sz="1800" kern="1200">
-                <a:solidFill>
-                  <a:schemeClr val="tx1"/>
-                </a:solidFill>
-                <a:latin typeface="Apex New Book" pitchFamily="50" charset="0"/>
-                <a:ea typeface="Apex New Book" pitchFamily="50" charset="0"/>
-                <a:cs typeface="+mn-cs"/>
-              </a:defRPr>
-            </a:lvl2pPr>
-            <a:lvl3pPr marL="1082675" indent="-228600" algn="l" defTabSz="914400" rtl="0" eaLnBrk="1" latinLnBrk="0" hangingPunct="1">
-              <a:spcBef>
-                <a:spcPct val="20000"/>
-              </a:spcBef>
-              <a:buClr>
-                <a:srgbClr val="00AEDE"/>
-              </a:buClr>
-              <a:buSzPct val="80000"/>
-              <a:buFont typeface="Wingdings" pitchFamily="2" charset="2"/>
-              <a:buChar char="§"/>
-              <a:tabLst>
-                <a:tab pos="1025525" algn="l"/>
-              </a:tabLst>
-              <a:defRPr sz="1600" kern="1200">
-                <a:solidFill>
-                  <a:schemeClr val="tx1"/>
-                </a:solidFill>
-                <a:latin typeface="Apex New Book" pitchFamily="50" charset="0"/>
-                <a:ea typeface="Apex New Book" pitchFamily="50" charset="0"/>
-                <a:cs typeface="+mn-cs"/>
-              </a:defRPr>
-            </a:lvl3pPr>
-            <a:lvl4pPr marL="1430338" indent="-228600" algn="l" defTabSz="914400" rtl="0" eaLnBrk="1" latinLnBrk="0" hangingPunct="1">
-              <a:spcBef>
-                <a:spcPct val="20000"/>
-              </a:spcBef>
-              <a:buClr>
-                <a:srgbClr val="00AEDE"/>
-              </a:buClr>
-              <a:buSzPct val="80000"/>
-              <a:buFont typeface="Wingdings" pitchFamily="2" charset="2"/>
-              <a:buChar char="§"/>
-              <a:defRPr sz="1400" kern="1200">
-                <a:solidFill>
-                  <a:schemeClr val="tx1"/>
-                </a:solidFill>
-                <a:latin typeface="Apex New Book" pitchFamily="50" charset="0"/>
-                <a:ea typeface="Apex New Book" pitchFamily="50" charset="0"/>
-                <a:cs typeface="+mn-cs"/>
-              </a:defRPr>
-            </a:lvl4pPr>
-            <a:lvl5pPr marL="1714500" indent="-228600" algn="l" defTabSz="914400" rtl="0" eaLnBrk="1" latinLnBrk="0" hangingPunct="1">
-              <a:spcBef>
-                <a:spcPct val="20000"/>
-              </a:spcBef>
-              <a:buClr>
-                <a:srgbClr val="00AEDE"/>
-              </a:buClr>
-              <a:buSzPct val="80000"/>
-              <a:buFont typeface="Wingdings" pitchFamily="2" charset="2"/>
-              <a:buChar char="§"/>
-              <a:defRPr sz="1400" kern="1200">
-                <a:solidFill>
-                  <a:schemeClr val="tx1"/>
-                </a:solidFill>
-                <a:latin typeface="Apex New Book" pitchFamily="50" charset="0"/>
-                <a:ea typeface="Apex New Book" pitchFamily="50" charset="0"/>
-                <a:cs typeface="+mn-cs"/>
-              </a:defRPr>
-            </a:lvl5pPr>
-            <a:lvl6pPr marL="2514600" indent="-228600" algn="l" defTabSz="914400" rtl="0" eaLnBrk="1" latinLnBrk="0" hangingPunct="1">
-              <a:spcBef>
-                <a:spcPct val="20000"/>
-              </a:spcBef>
-              <a:buFont typeface="Arial" pitchFamily="34" charset="0"/>
-              <a:buChar char="•"/>
-              <a:defRPr sz="2000" kern="1200">
-                <a:solidFill>
-                  <a:schemeClr val="tx1"/>
-                </a:solidFill>
-                <a:latin typeface="+mn-lt"/>
-                <a:ea typeface="+mn-ea"/>
-                <a:cs typeface="+mn-cs"/>
-              </a:defRPr>
-            </a:lvl6pPr>
-            <a:lvl7pPr marL="2971800" indent="-228600" algn="l" defTabSz="914400" rtl="0" eaLnBrk="1" latinLnBrk="0" hangingPunct="1">
-              <a:spcBef>
-                <a:spcPct val="20000"/>
-              </a:spcBef>
-              <a:buFont typeface="Arial" pitchFamily="34" charset="0"/>
-              <a:buChar char="•"/>
-              <a:defRPr sz="2000" kern="1200">
-                <a:solidFill>
-                  <a:schemeClr val="tx1"/>
-                </a:solidFill>
-                <a:latin typeface="+mn-lt"/>
-                <a:ea typeface="+mn-ea"/>
-                <a:cs typeface="+mn-cs"/>
-              </a:defRPr>
-            </a:lvl7pPr>
-            <a:lvl8pPr marL="3429000" indent="-228600" algn="l" defTabSz="914400" rtl="0" eaLnBrk="1" latinLnBrk="0" hangingPunct="1">
-              <a:spcBef>
-                <a:spcPct val="20000"/>
-              </a:spcBef>
-              <a:buFont typeface="Arial" pitchFamily="34" charset="0"/>
-              <a:buChar char="•"/>
-              <a:defRPr sz="2000" kern="1200">
-                <a:solidFill>
-                  <a:schemeClr val="tx1"/>
-                </a:solidFill>
-                <a:latin typeface="+mn-lt"/>
-                <a:ea typeface="+mn-ea"/>
-                <a:cs typeface="+mn-cs"/>
-              </a:defRPr>
-            </a:lvl8pPr>
-            <a:lvl9pPr marL="3886200" indent="-228600" algn="l" defTabSz="914400" rtl="0" eaLnBrk="1" latinLnBrk="0" hangingPunct="1">
-              <a:spcBef>
-                <a:spcPct val="20000"/>
-              </a:spcBef>
-              <a:buFont typeface="Arial" pitchFamily="34" charset="0"/>
-              <a:buChar char="•"/>
-              <a:defRPr sz="2000" kern="1200">
-                <a:solidFill>
-                  <a:schemeClr val="tx1"/>
-                </a:solidFill>
-                <a:latin typeface="+mn-lt"/>
-                <a:ea typeface="+mn-ea"/>
-                <a:cs typeface="+mn-cs"/>
-              </a:defRPr>
-            </a:lvl9pPr>
-          </a:lstStyle>
-          <a:p>
-            <a:pPr marL="0" indent="0" algn="r">
-              <a:buNone/>
-            </a:pPr>
-            <a:r>
-              <a:rPr lang="en-US" sz="3600" spc="-100" dirty="0" smtClean="0">
-                <a:solidFill>
-                  <a:srgbClr val="00A6DD"/>
-                </a:solidFill>
-                <a:latin typeface="Apex New Medium" pitchFamily="50" charset="0"/>
-                <a:ea typeface="Apex New Medium" pitchFamily="50" charset="0"/>
-              </a:rPr>
-              <a:t>References</a:t>
-            </a:r>
-            <a:endParaRPr lang="en-US" sz="3600" spc="-100" dirty="0">
-              <a:solidFill>
-                <a:srgbClr val="00A6DD"/>
-              </a:solidFill>
-              <a:latin typeface="Apex New Medium" pitchFamily="50" charset="0"/>
-              <a:ea typeface="Apex New Medium" pitchFamily="50" charset="0"/>
-            </a:endParaRPr>
-          </a:p>
-        </p:txBody>
-      </p:sp>
-    </p:spTree>
-    <p:extLst>
-      <p:ext uri="{BB962C8B-B14F-4D97-AF65-F5344CB8AC3E}">
-        <p14:creationId xmlns:p14="http://schemas.microsoft.com/office/powerpoint/2010/main" val="2640907824"/>
-      </p:ext>
-    </p:extLst>
-  </p:cSld>
-  <p:clrMapOvr>
-    <a:masterClrMapping/>
-  </p:clrMapOvr>
-  <p:timing>
-    <p:tnLst>
-      <p:par>
-        <p:cTn id="1" dur="indefinite" restart="never" nodeType="tmRoot"/>
-      </p:par>
-    </p:tnLst>
-  </p:timing>
-</p:sld>
-</file>
-
 <file path=ppt/slides/slide19.xml><?xml version="1.0" encoding="utf-8"?>
 <p:sld xmlns:a="http://schemas.openxmlformats.org/drawingml/2006/main" xmlns:r="http://schemas.openxmlformats.org/officeDocument/2006/relationships" xmlns:p="http://schemas.openxmlformats.org/presentationml/2006/main">
   <p:cSld>
@@ -7035,7 +7060,6 @@
               <a:rPr lang="en-US" dirty="0"/>
               <a:t>Innovation Day</a:t>
             </a:r>
-            <a:endParaRPr lang="en-US" dirty="0"/>
           </a:p>
         </p:txBody>
       </p:sp>
@@ -7049,40 +7073,41 @@
             <p:ph idx="1"/>
           </p:nvPr>
         </p:nvSpPr>
-        <p:spPr>
-          <a:xfrm>
-            <a:off x="533400" y="2133601"/>
-            <a:ext cx="8153400" cy="1981199"/>
-          </a:xfrm>
-        </p:spPr>
-        <p:txBody>
-          <a:bodyPr>
-            <a:normAutofit/>
-          </a:bodyPr>
+        <p:spPr/>
+        <p:txBody>
+          <a:bodyPr/>
           <a:lstStyle/>
+          <a:p>
+            <a:pPr>
+              <a:buFont typeface="Arial" panose="020B0604020202020204" pitchFamily="34" charset="0"/>
+              <a:buChar char="•"/>
+            </a:pPr>
+            <a:r>
+              <a:rPr lang="en-US" dirty="0" smtClean="0"/>
+              <a:t>Upload many heavy files at the same time</a:t>
+            </a:r>
+          </a:p>
+          <a:p>
+            <a:pPr>
+              <a:buFont typeface="Arial" panose="020B0604020202020204" pitchFamily="34" charset="0"/>
+              <a:buChar char="•"/>
+            </a:pPr>
+            <a:r>
+              <a:rPr lang="en-US" dirty="0" smtClean="0"/>
+              <a:t>Some potential bugs because it is none of QA.</a:t>
+            </a:r>
+          </a:p>
           <a:p>
             <a:pPr marL="0" indent="0">
               <a:buNone/>
             </a:pPr>
-            <a:r>
-              <a:rPr lang="en-US" sz="11500" dirty="0" smtClean="0">
-                <a:solidFill>
-                  <a:schemeClr val="accent1"/>
-                </a:solidFill>
-              </a:rPr>
-              <a:t>Thank you</a:t>
-            </a:r>
-            <a:endParaRPr lang="en-US" sz="11500" dirty="0">
-              <a:solidFill>
-                <a:schemeClr val="accent1"/>
-              </a:solidFill>
-            </a:endParaRPr>
-          </a:p>
-        </p:txBody>
-      </p:sp>
-      <p:sp>
-        <p:nvSpPr>
-          <p:cNvPr id="4" name="Text Placeholder 6"/>
+            <a:endParaRPr lang="en-US" dirty="0" smtClean="0"/>
+          </a:p>
+        </p:txBody>
+      </p:sp>
+      <p:sp>
+        <p:nvSpPr>
+          <p:cNvPr id="7" name="Text Placeholder 6"/>
           <p:cNvSpPr txBox="1">
             <a:spLocks/>
           </p:cNvSpPr>
@@ -7271,7 +7296,7 @@
                 <a:latin typeface="Apex New Medium" pitchFamily="50" charset="0"/>
                 <a:ea typeface="Apex New Medium" pitchFamily="50" charset="0"/>
               </a:rPr>
-              <a:t>The end</a:t>
+              <a:t>Limitation</a:t>
             </a:r>
             <a:endParaRPr lang="en-US" sz="3600" spc="-100" dirty="0">
               <a:solidFill>
@@ -7286,7 +7311,7 @@
     </p:spTree>
     <p:extLst>
       <p:ext uri="{BB962C8B-B14F-4D97-AF65-F5344CB8AC3E}">
-        <p14:creationId xmlns:p14="http://schemas.microsoft.com/office/powerpoint/2010/main" val="3005440958"/>
+        <p14:creationId xmlns:p14="http://schemas.microsoft.com/office/powerpoint/2010/main" val="3698089920"/>
       </p:ext>
     </p:extLst>
   </p:cSld>
@@ -7383,15 +7408,7 @@
             </a:r>
             <a:r>
               <a:rPr lang="en-US" dirty="0"/>
-              <a:t>++ b</a:t>
-            </a:r>
-            <a:r>
-              <a:rPr lang="en-US" dirty="0"/>
-              <a:t>ase</a:t>
-            </a:r>
-            <a:r>
-              <a:rPr lang="en-US" dirty="0"/>
-              <a:t>d cross-platform development </a:t>
+              <a:t>++ based cross-platform development </a:t>
             </a:r>
             <a:r>
               <a:rPr lang="en-US" dirty="0" smtClean="0"/>
@@ -7407,11 +7424,7 @@
             </a:r>
             <a:r>
               <a:rPr lang="en-US" dirty="0"/>
-              <a:t>interfaces and applications</a:t>
-            </a:r>
-            <a:r>
-              <a:rPr lang="en-US" dirty="0"/>
-              <a:t>.</a:t>
+              <a:t>interfaces and applications.</a:t>
             </a:r>
           </a:p>
           <a:p>
@@ -7577,6 +7590,634 @@
       </p:transition>
     </mc:Fallback>
   </mc:AlternateContent>
+  <p:timing>
+    <p:tnLst>
+      <p:par>
+        <p:cTn id="1" dur="indefinite" restart="never" nodeType="tmRoot"/>
+      </p:par>
+    </p:tnLst>
+  </p:timing>
+</p:sld>
+</file>
+
+<file path=ppt/slides/slide20.xml><?xml version="1.0" encoding="utf-8"?>
+<p:sld xmlns:a="http://schemas.openxmlformats.org/drawingml/2006/main" xmlns:r="http://schemas.openxmlformats.org/officeDocument/2006/relationships" xmlns:p="http://schemas.openxmlformats.org/presentationml/2006/main">
+  <p:cSld>
+    <p:spTree>
+      <p:nvGrpSpPr>
+        <p:cNvPr id="1" name=""/>
+        <p:cNvGrpSpPr/>
+        <p:nvPr/>
+      </p:nvGrpSpPr>
+      <p:grpSpPr>
+        <a:xfrm>
+          <a:off x="0" y="0"/>
+          <a:ext cx="0" cy="0"/>
+          <a:chOff x="0" y="0"/>
+          <a:chExt cx="0" cy="0"/>
+        </a:xfrm>
+      </p:grpSpPr>
+      <p:sp>
+        <p:nvSpPr>
+          <p:cNvPr id="2" name="Title 1"/>
+          <p:cNvSpPr>
+            <a:spLocks noGrp="1"/>
+          </p:cNvSpPr>
+          <p:nvPr>
+            <p:ph type="title"/>
+          </p:nvPr>
+        </p:nvSpPr>
+        <p:spPr/>
+        <p:txBody>
+          <a:bodyPr/>
+          <a:lstStyle/>
+          <a:p>
+            <a:r>
+              <a:rPr lang="en-US" dirty="0"/>
+              <a:t>Innovation Day</a:t>
+            </a:r>
+          </a:p>
+        </p:txBody>
+      </p:sp>
+      <p:sp>
+        <p:nvSpPr>
+          <p:cNvPr id="3" name="Content Placeholder 2"/>
+          <p:cNvSpPr>
+            <a:spLocks noGrp="1"/>
+          </p:cNvSpPr>
+          <p:nvPr>
+            <p:ph idx="1"/>
+          </p:nvPr>
+        </p:nvSpPr>
+        <p:spPr/>
+        <p:txBody>
+          <a:bodyPr/>
+          <a:lstStyle/>
+          <a:p>
+            <a:pPr>
+              <a:buFont typeface="Arial" panose="020B0604020202020204" pitchFamily="34" charset="0"/>
+              <a:buChar char="•"/>
+            </a:pPr>
+            <a:r>
+              <a:rPr lang="en-US" dirty="0" smtClean="0"/>
+              <a:t>http</a:t>
+            </a:r>
+            <a:r>
+              <a:rPr lang="en-US" dirty="0"/>
+              <a:t>://qt.digia.com</a:t>
+            </a:r>
+          </a:p>
+          <a:p>
+            <a:pPr>
+              <a:buFont typeface="Arial" panose="020B0604020202020204" pitchFamily="34" charset="0"/>
+              <a:buChar char="•"/>
+            </a:pPr>
+            <a:r>
+              <a:rPr lang="en-US" dirty="0" smtClean="0"/>
+              <a:t>https</a:t>
+            </a:r>
+            <a:r>
+              <a:rPr lang="en-US" dirty="0"/>
+              <a:t>://</a:t>
+            </a:r>
+            <a:r>
+              <a:rPr lang="en-US" dirty="0" smtClean="0"/>
+              <a:t>www.virustotal.com/en/documentation/desktop-applications/mac-osx-uploader</a:t>
+            </a:r>
+          </a:p>
+          <a:p>
+            <a:pPr>
+              <a:buFont typeface="Arial" panose="020B0604020202020204" pitchFamily="34" charset="0"/>
+              <a:buChar char="•"/>
+            </a:pPr>
+            <a:r>
+              <a:rPr lang="en-US" dirty="0"/>
+              <a:t>https://</a:t>
+            </a:r>
+            <a:r>
+              <a:rPr lang="en-US" dirty="0" smtClean="0"/>
+              <a:t>github.com/VirusTotal/qt-virustotal-uploader</a:t>
+            </a:r>
+            <a:endParaRPr lang="en-US" dirty="0"/>
+          </a:p>
+        </p:txBody>
+      </p:sp>
+      <p:sp>
+        <p:nvSpPr>
+          <p:cNvPr id="7" name="Text Placeholder 6"/>
+          <p:cNvSpPr txBox="1">
+            <a:spLocks/>
+          </p:cNvSpPr>
+          <p:nvPr/>
+        </p:nvSpPr>
+        <p:spPr>
+          <a:xfrm>
+            <a:off x="1417320" y="685800"/>
+            <a:ext cx="7086600" cy="762000"/>
+          </a:xfrm>
+          <a:prstGeom prst="rect">
+            <a:avLst/>
+          </a:prstGeom>
+        </p:spPr>
+        <p:txBody>
+          <a:bodyPr/>
+          <a:lstStyle>
+            <a:lvl1pPr marL="342900" indent="-342900" algn="l" defTabSz="914400" rtl="0" eaLnBrk="1" latinLnBrk="0" hangingPunct="1">
+              <a:spcBef>
+                <a:spcPct val="20000"/>
+              </a:spcBef>
+              <a:buClr>
+                <a:srgbClr val="00AEDE"/>
+              </a:buClr>
+              <a:buSzPct val="80000"/>
+              <a:buFont typeface="Wingdings" pitchFamily="2" charset="2"/>
+              <a:buChar char="§"/>
+              <a:defRPr sz="2400" kern="1200">
+                <a:solidFill>
+                  <a:schemeClr val="tx1"/>
+                </a:solidFill>
+                <a:latin typeface="Apex New Book" pitchFamily="50" charset="0"/>
+                <a:ea typeface="Apex New Book" pitchFamily="50" charset="0"/>
+                <a:cs typeface="+mn-cs"/>
+              </a:defRPr>
+            </a:lvl1pPr>
+            <a:lvl2pPr marL="742950" indent="-285750" algn="l" defTabSz="914400" rtl="0" eaLnBrk="1" latinLnBrk="0" hangingPunct="1">
+              <a:spcBef>
+                <a:spcPct val="20000"/>
+              </a:spcBef>
+              <a:buClr>
+                <a:srgbClr val="00AEDE"/>
+              </a:buClr>
+              <a:buSzPct val="80000"/>
+              <a:buFont typeface="Wingdings" pitchFamily="2" charset="2"/>
+              <a:buChar char="§"/>
+              <a:defRPr sz="1800" kern="1200">
+                <a:solidFill>
+                  <a:schemeClr val="tx1"/>
+                </a:solidFill>
+                <a:latin typeface="Apex New Book" pitchFamily="50" charset="0"/>
+                <a:ea typeface="Apex New Book" pitchFamily="50" charset="0"/>
+                <a:cs typeface="+mn-cs"/>
+              </a:defRPr>
+            </a:lvl2pPr>
+            <a:lvl3pPr marL="1082675" indent="-228600" algn="l" defTabSz="914400" rtl="0" eaLnBrk="1" latinLnBrk="0" hangingPunct="1">
+              <a:spcBef>
+                <a:spcPct val="20000"/>
+              </a:spcBef>
+              <a:buClr>
+                <a:srgbClr val="00AEDE"/>
+              </a:buClr>
+              <a:buSzPct val="80000"/>
+              <a:buFont typeface="Wingdings" pitchFamily="2" charset="2"/>
+              <a:buChar char="§"/>
+              <a:tabLst>
+                <a:tab pos="1025525" algn="l"/>
+              </a:tabLst>
+              <a:defRPr sz="1600" kern="1200">
+                <a:solidFill>
+                  <a:schemeClr val="tx1"/>
+                </a:solidFill>
+                <a:latin typeface="Apex New Book" pitchFamily="50" charset="0"/>
+                <a:ea typeface="Apex New Book" pitchFamily="50" charset="0"/>
+                <a:cs typeface="+mn-cs"/>
+              </a:defRPr>
+            </a:lvl3pPr>
+            <a:lvl4pPr marL="1430338" indent="-228600" algn="l" defTabSz="914400" rtl="0" eaLnBrk="1" latinLnBrk="0" hangingPunct="1">
+              <a:spcBef>
+                <a:spcPct val="20000"/>
+              </a:spcBef>
+              <a:buClr>
+                <a:srgbClr val="00AEDE"/>
+              </a:buClr>
+              <a:buSzPct val="80000"/>
+              <a:buFont typeface="Wingdings" pitchFamily="2" charset="2"/>
+              <a:buChar char="§"/>
+              <a:defRPr sz="1400" kern="1200">
+                <a:solidFill>
+                  <a:schemeClr val="tx1"/>
+                </a:solidFill>
+                <a:latin typeface="Apex New Book" pitchFamily="50" charset="0"/>
+                <a:ea typeface="Apex New Book" pitchFamily="50" charset="0"/>
+                <a:cs typeface="+mn-cs"/>
+              </a:defRPr>
+            </a:lvl4pPr>
+            <a:lvl5pPr marL="1714500" indent="-228600" algn="l" defTabSz="914400" rtl="0" eaLnBrk="1" latinLnBrk="0" hangingPunct="1">
+              <a:spcBef>
+                <a:spcPct val="20000"/>
+              </a:spcBef>
+              <a:buClr>
+                <a:srgbClr val="00AEDE"/>
+              </a:buClr>
+              <a:buSzPct val="80000"/>
+              <a:buFont typeface="Wingdings" pitchFamily="2" charset="2"/>
+              <a:buChar char="§"/>
+              <a:defRPr sz="1400" kern="1200">
+                <a:solidFill>
+                  <a:schemeClr val="tx1"/>
+                </a:solidFill>
+                <a:latin typeface="Apex New Book" pitchFamily="50" charset="0"/>
+                <a:ea typeface="Apex New Book" pitchFamily="50" charset="0"/>
+                <a:cs typeface="+mn-cs"/>
+              </a:defRPr>
+            </a:lvl5pPr>
+            <a:lvl6pPr marL="2514600" indent="-228600" algn="l" defTabSz="914400" rtl="0" eaLnBrk="1" latinLnBrk="0" hangingPunct="1">
+              <a:spcBef>
+                <a:spcPct val="20000"/>
+              </a:spcBef>
+              <a:buFont typeface="Arial" pitchFamily="34" charset="0"/>
+              <a:buChar char="•"/>
+              <a:defRPr sz="2000" kern="1200">
+                <a:solidFill>
+                  <a:schemeClr val="tx1"/>
+                </a:solidFill>
+                <a:latin typeface="+mn-lt"/>
+                <a:ea typeface="+mn-ea"/>
+                <a:cs typeface="+mn-cs"/>
+              </a:defRPr>
+            </a:lvl6pPr>
+            <a:lvl7pPr marL="2971800" indent="-228600" algn="l" defTabSz="914400" rtl="0" eaLnBrk="1" latinLnBrk="0" hangingPunct="1">
+              <a:spcBef>
+                <a:spcPct val="20000"/>
+              </a:spcBef>
+              <a:buFont typeface="Arial" pitchFamily="34" charset="0"/>
+              <a:buChar char="•"/>
+              <a:defRPr sz="2000" kern="1200">
+                <a:solidFill>
+                  <a:schemeClr val="tx1"/>
+                </a:solidFill>
+                <a:latin typeface="+mn-lt"/>
+                <a:ea typeface="+mn-ea"/>
+                <a:cs typeface="+mn-cs"/>
+              </a:defRPr>
+            </a:lvl7pPr>
+            <a:lvl8pPr marL="3429000" indent="-228600" algn="l" defTabSz="914400" rtl="0" eaLnBrk="1" latinLnBrk="0" hangingPunct="1">
+              <a:spcBef>
+                <a:spcPct val="20000"/>
+              </a:spcBef>
+              <a:buFont typeface="Arial" pitchFamily="34" charset="0"/>
+              <a:buChar char="•"/>
+              <a:defRPr sz="2000" kern="1200">
+                <a:solidFill>
+                  <a:schemeClr val="tx1"/>
+                </a:solidFill>
+                <a:latin typeface="+mn-lt"/>
+                <a:ea typeface="+mn-ea"/>
+                <a:cs typeface="+mn-cs"/>
+              </a:defRPr>
+            </a:lvl8pPr>
+            <a:lvl9pPr marL="3886200" indent="-228600" algn="l" defTabSz="914400" rtl="0" eaLnBrk="1" latinLnBrk="0" hangingPunct="1">
+              <a:spcBef>
+                <a:spcPct val="20000"/>
+              </a:spcBef>
+              <a:buFont typeface="Arial" pitchFamily="34" charset="0"/>
+              <a:buChar char="•"/>
+              <a:defRPr sz="2000" kern="1200">
+                <a:solidFill>
+                  <a:schemeClr val="tx1"/>
+                </a:solidFill>
+                <a:latin typeface="+mn-lt"/>
+                <a:ea typeface="+mn-ea"/>
+                <a:cs typeface="+mn-cs"/>
+              </a:defRPr>
+            </a:lvl9pPr>
+          </a:lstStyle>
+          <a:p>
+            <a:pPr marL="0" indent="0" algn="r">
+              <a:buNone/>
+            </a:pPr>
+            <a:r>
+              <a:rPr lang="en-US" sz="3600" spc="-100" dirty="0" smtClean="0">
+                <a:solidFill>
+                  <a:srgbClr val="00A6DD"/>
+                </a:solidFill>
+                <a:latin typeface="Apex New Medium" pitchFamily="50" charset="0"/>
+                <a:ea typeface="Apex New Medium" pitchFamily="50" charset="0"/>
+              </a:rPr>
+              <a:t>References</a:t>
+            </a:r>
+            <a:endParaRPr lang="en-US" sz="3600" spc="-100" dirty="0">
+              <a:solidFill>
+                <a:srgbClr val="00A6DD"/>
+              </a:solidFill>
+              <a:latin typeface="Apex New Medium" pitchFamily="50" charset="0"/>
+              <a:ea typeface="Apex New Medium" pitchFamily="50" charset="0"/>
+            </a:endParaRPr>
+          </a:p>
+        </p:txBody>
+      </p:sp>
+    </p:spTree>
+    <p:extLst>
+      <p:ext uri="{BB962C8B-B14F-4D97-AF65-F5344CB8AC3E}">
+        <p14:creationId xmlns:p14="http://schemas.microsoft.com/office/powerpoint/2010/main" val="2640907824"/>
+      </p:ext>
+    </p:extLst>
+  </p:cSld>
+  <p:clrMapOvr>
+    <a:masterClrMapping/>
+  </p:clrMapOvr>
+  <p:timing>
+    <p:tnLst>
+      <p:par>
+        <p:cTn id="1" dur="indefinite" restart="never" nodeType="tmRoot"/>
+      </p:par>
+    </p:tnLst>
+  </p:timing>
+</p:sld>
+</file>
+
+<file path=ppt/slides/slide21.xml><?xml version="1.0" encoding="utf-8"?>
+<p:sld xmlns:a="http://schemas.openxmlformats.org/drawingml/2006/main" xmlns:r="http://schemas.openxmlformats.org/officeDocument/2006/relationships" xmlns:p="http://schemas.openxmlformats.org/presentationml/2006/main">
+  <p:cSld>
+    <p:spTree>
+      <p:nvGrpSpPr>
+        <p:cNvPr id="1" name=""/>
+        <p:cNvGrpSpPr/>
+        <p:nvPr/>
+      </p:nvGrpSpPr>
+      <p:grpSpPr>
+        <a:xfrm>
+          <a:off x="0" y="0"/>
+          <a:ext cx="0" cy="0"/>
+          <a:chOff x="0" y="0"/>
+          <a:chExt cx="0" cy="0"/>
+        </a:xfrm>
+      </p:grpSpPr>
+      <p:sp>
+        <p:nvSpPr>
+          <p:cNvPr id="2" name="Title 1"/>
+          <p:cNvSpPr>
+            <a:spLocks noGrp="1"/>
+          </p:cNvSpPr>
+          <p:nvPr>
+            <p:ph type="title"/>
+          </p:nvPr>
+        </p:nvSpPr>
+        <p:spPr/>
+        <p:txBody>
+          <a:bodyPr/>
+          <a:lstStyle/>
+          <a:p>
+            <a:r>
+              <a:rPr lang="en-US" dirty="0"/>
+              <a:t>Innovation Day</a:t>
+            </a:r>
+          </a:p>
+        </p:txBody>
+      </p:sp>
+      <p:sp>
+        <p:nvSpPr>
+          <p:cNvPr id="3" name="Content Placeholder 2"/>
+          <p:cNvSpPr>
+            <a:spLocks noGrp="1"/>
+          </p:cNvSpPr>
+          <p:nvPr>
+            <p:ph idx="1"/>
+          </p:nvPr>
+        </p:nvSpPr>
+        <p:spPr>
+          <a:xfrm>
+            <a:off x="533400" y="2133601"/>
+            <a:ext cx="8153400" cy="1981199"/>
+          </a:xfrm>
+        </p:spPr>
+        <p:txBody>
+          <a:bodyPr>
+            <a:normAutofit/>
+          </a:bodyPr>
+          <a:lstStyle/>
+          <a:p>
+            <a:pPr marL="0" indent="0">
+              <a:buNone/>
+            </a:pPr>
+            <a:r>
+              <a:rPr lang="en-US" sz="11500" dirty="0" smtClean="0">
+                <a:solidFill>
+                  <a:schemeClr val="accent1"/>
+                </a:solidFill>
+              </a:rPr>
+              <a:t>Thank you</a:t>
+            </a:r>
+            <a:endParaRPr lang="en-US" sz="11500" dirty="0">
+              <a:solidFill>
+                <a:schemeClr val="accent1"/>
+              </a:solidFill>
+            </a:endParaRPr>
+          </a:p>
+        </p:txBody>
+      </p:sp>
+      <p:sp>
+        <p:nvSpPr>
+          <p:cNvPr id="4" name="Text Placeholder 6"/>
+          <p:cNvSpPr txBox="1">
+            <a:spLocks/>
+          </p:cNvSpPr>
+          <p:nvPr/>
+        </p:nvSpPr>
+        <p:spPr>
+          <a:xfrm>
+            <a:off x="1417320" y="685800"/>
+            <a:ext cx="7086600" cy="762000"/>
+          </a:xfrm>
+          <a:prstGeom prst="rect">
+            <a:avLst/>
+          </a:prstGeom>
+        </p:spPr>
+        <p:txBody>
+          <a:bodyPr/>
+          <a:lstStyle>
+            <a:lvl1pPr marL="342900" indent="-342900" algn="l" defTabSz="914400" rtl="0" eaLnBrk="1" latinLnBrk="0" hangingPunct="1">
+              <a:spcBef>
+                <a:spcPct val="20000"/>
+              </a:spcBef>
+              <a:buClr>
+                <a:srgbClr val="00AEDE"/>
+              </a:buClr>
+              <a:buSzPct val="80000"/>
+              <a:buFont typeface="Wingdings" pitchFamily="2" charset="2"/>
+              <a:buChar char="§"/>
+              <a:defRPr sz="2400" kern="1200">
+                <a:solidFill>
+                  <a:schemeClr val="tx1"/>
+                </a:solidFill>
+                <a:latin typeface="Apex New Book" pitchFamily="50" charset="0"/>
+                <a:ea typeface="Apex New Book" pitchFamily="50" charset="0"/>
+                <a:cs typeface="+mn-cs"/>
+              </a:defRPr>
+            </a:lvl1pPr>
+            <a:lvl2pPr marL="742950" indent="-285750" algn="l" defTabSz="914400" rtl="0" eaLnBrk="1" latinLnBrk="0" hangingPunct="1">
+              <a:spcBef>
+                <a:spcPct val="20000"/>
+              </a:spcBef>
+              <a:buClr>
+                <a:srgbClr val="00AEDE"/>
+              </a:buClr>
+              <a:buSzPct val="80000"/>
+              <a:buFont typeface="Wingdings" pitchFamily="2" charset="2"/>
+              <a:buChar char="§"/>
+              <a:defRPr sz="1800" kern="1200">
+                <a:solidFill>
+                  <a:schemeClr val="tx1"/>
+                </a:solidFill>
+                <a:latin typeface="Apex New Book" pitchFamily="50" charset="0"/>
+                <a:ea typeface="Apex New Book" pitchFamily="50" charset="0"/>
+                <a:cs typeface="+mn-cs"/>
+              </a:defRPr>
+            </a:lvl2pPr>
+            <a:lvl3pPr marL="1082675" indent="-228600" algn="l" defTabSz="914400" rtl="0" eaLnBrk="1" latinLnBrk="0" hangingPunct="1">
+              <a:spcBef>
+                <a:spcPct val="20000"/>
+              </a:spcBef>
+              <a:buClr>
+                <a:srgbClr val="00AEDE"/>
+              </a:buClr>
+              <a:buSzPct val="80000"/>
+              <a:buFont typeface="Wingdings" pitchFamily="2" charset="2"/>
+              <a:buChar char="§"/>
+              <a:tabLst>
+                <a:tab pos="1025525" algn="l"/>
+              </a:tabLst>
+              <a:defRPr sz="1600" kern="1200">
+                <a:solidFill>
+                  <a:schemeClr val="tx1"/>
+                </a:solidFill>
+                <a:latin typeface="Apex New Book" pitchFamily="50" charset="0"/>
+                <a:ea typeface="Apex New Book" pitchFamily="50" charset="0"/>
+                <a:cs typeface="+mn-cs"/>
+              </a:defRPr>
+            </a:lvl3pPr>
+            <a:lvl4pPr marL="1430338" indent="-228600" algn="l" defTabSz="914400" rtl="0" eaLnBrk="1" latinLnBrk="0" hangingPunct="1">
+              <a:spcBef>
+                <a:spcPct val="20000"/>
+              </a:spcBef>
+              <a:buClr>
+                <a:srgbClr val="00AEDE"/>
+              </a:buClr>
+              <a:buSzPct val="80000"/>
+              <a:buFont typeface="Wingdings" pitchFamily="2" charset="2"/>
+              <a:buChar char="§"/>
+              <a:defRPr sz="1400" kern="1200">
+                <a:solidFill>
+                  <a:schemeClr val="tx1"/>
+                </a:solidFill>
+                <a:latin typeface="Apex New Book" pitchFamily="50" charset="0"/>
+                <a:ea typeface="Apex New Book" pitchFamily="50" charset="0"/>
+                <a:cs typeface="+mn-cs"/>
+              </a:defRPr>
+            </a:lvl4pPr>
+            <a:lvl5pPr marL="1714500" indent="-228600" algn="l" defTabSz="914400" rtl="0" eaLnBrk="1" latinLnBrk="0" hangingPunct="1">
+              <a:spcBef>
+                <a:spcPct val="20000"/>
+              </a:spcBef>
+              <a:buClr>
+                <a:srgbClr val="00AEDE"/>
+              </a:buClr>
+              <a:buSzPct val="80000"/>
+              <a:buFont typeface="Wingdings" pitchFamily="2" charset="2"/>
+              <a:buChar char="§"/>
+              <a:defRPr sz="1400" kern="1200">
+                <a:solidFill>
+                  <a:schemeClr val="tx1"/>
+                </a:solidFill>
+                <a:latin typeface="Apex New Book" pitchFamily="50" charset="0"/>
+                <a:ea typeface="Apex New Book" pitchFamily="50" charset="0"/>
+                <a:cs typeface="+mn-cs"/>
+              </a:defRPr>
+            </a:lvl5pPr>
+            <a:lvl6pPr marL="2514600" indent="-228600" algn="l" defTabSz="914400" rtl="0" eaLnBrk="1" latinLnBrk="0" hangingPunct="1">
+              <a:spcBef>
+                <a:spcPct val="20000"/>
+              </a:spcBef>
+              <a:buFont typeface="Arial" pitchFamily="34" charset="0"/>
+              <a:buChar char="•"/>
+              <a:defRPr sz="2000" kern="1200">
+                <a:solidFill>
+                  <a:schemeClr val="tx1"/>
+                </a:solidFill>
+                <a:latin typeface="+mn-lt"/>
+                <a:ea typeface="+mn-ea"/>
+                <a:cs typeface="+mn-cs"/>
+              </a:defRPr>
+            </a:lvl6pPr>
+            <a:lvl7pPr marL="2971800" indent="-228600" algn="l" defTabSz="914400" rtl="0" eaLnBrk="1" latinLnBrk="0" hangingPunct="1">
+              <a:spcBef>
+                <a:spcPct val="20000"/>
+              </a:spcBef>
+              <a:buFont typeface="Arial" pitchFamily="34" charset="0"/>
+              <a:buChar char="•"/>
+              <a:defRPr sz="2000" kern="1200">
+                <a:solidFill>
+                  <a:schemeClr val="tx1"/>
+                </a:solidFill>
+                <a:latin typeface="+mn-lt"/>
+                <a:ea typeface="+mn-ea"/>
+                <a:cs typeface="+mn-cs"/>
+              </a:defRPr>
+            </a:lvl7pPr>
+            <a:lvl8pPr marL="3429000" indent="-228600" algn="l" defTabSz="914400" rtl="0" eaLnBrk="1" latinLnBrk="0" hangingPunct="1">
+              <a:spcBef>
+                <a:spcPct val="20000"/>
+              </a:spcBef>
+              <a:buFont typeface="Arial" pitchFamily="34" charset="0"/>
+              <a:buChar char="•"/>
+              <a:defRPr sz="2000" kern="1200">
+                <a:solidFill>
+                  <a:schemeClr val="tx1"/>
+                </a:solidFill>
+                <a:latin typeface="+mn-lt"/>
+                <a:ea typeface="+mn-ea"/>
+                <a:cs typeface="+mn-cs"/>
+              </a:defRPr>
+            </a:lvl8pPr>
+            <a:lvl9pPr marL="3886200" indent="-228600" algn="l" defTabSz="914400" rtl="0" eaLnBrk="1" latinLnBrk="0" hangingPunct="1">
+              <a:spcBef>
+                <a:spcPct val="20000"/>
+              </a:spcBef>
+              <a:buFont typeface="Arial" pitchFamily="34" charset="0"/>
+              <a:buChar char="•"/>
+              <a:defRPr sz="2000" kern="1200">
+                <a:solidFill>
+                  <a:schemeClr val="tx1"/>
+                </a:solidFill>
+                <a:latin typeface="+mn-lt"/>
+                <a:ea typeface="+mn-ea"/>
+                <a:cs typeface="+mn-cs"/>
+              </a:defRPr>
+            </a:lvl9pPr>
+          </a:lstStyle>
+          <a:p>
+            <a:pPr marL="0" indent="0" algn="r">
+              <a:buNone/>
+            </a:pPr>
+            <a:r>
+              <a:rPr lang="en-US" sz="3600" spc="-100" dirty="0" smtClean="0">
+                <a:solidFill>
+                  <a:srgbClr val="00A6DD"/>
+                </a:solidFill>
+                <a:latin typeface="Apex New Medium" pitchFamily="50" charset="0"/>
+                <a:ea typeface="Apex New Medium" pitchFamily="50" charset="0"/>
+              </a:rPr>
+              <a:t>The end</a:t>
+            </a:r>
+            <a:endParaRPr lang="en-US" sz="3600" spc="-100" dirty="0">
+              <a:solidFill>
+                <a:srgbClr val="00A6DD"/>
+              </a:solidFill>
+              <a:latin typeface="Apex New Medium" pitchFamily="50" charset="0"/>
+              <a:ea typeface="Apex New Medium" pitchFamily="50" charset="0"/>
+            </a:endParaRPr>
+          </a:p>
+        </p:txBody>
+      </p:sp>
+    </p:spTree>
+    <p:extLst>
+      <p:ext uri="{BB962C8B-B14F-4D97-AF65-F5344CB8AC3E}">
+        <p14:creationId xmlns:p14="http://schemas.microsoft.com/office/powerpoint/2010/main" val="3005440958"/>
+      </p:ext>
+    </p:extLst>
+  </p:cSld>
+  <p:clrMapOvr>
+    <a:masterClrMapping/>
+  </p:clrMapOvr>
   <p:timing>
     <p:tnLst>
       <p:par>
@@ -9249,13 +9890,6 @@
               </a:rPr>
               <a:t>Compile &amp; Run</a:t>
             </a:r>
-            <a:endParaRPr lang="en-US" sz="3600" spc="-100" dirty="0">
-              <a:solidFill>
-                <a:srgbClr val="00A6DD"/>
-              </a:solidFill>
-              <a:latin typeface="Apex New Medium" pitchFamily="50" charset="0"/>
-              <a:ea typeface="Apex New Medium" pitchFamily="50" charset="0"/>
-            </a:endParaRPr>
           </a:p>
         </p:txBody>
       </p:sp>
@@ -9351,7 +9985,6 @@
               <a:rPr lang="en-US" i="1" dirty="0"/>
               <a:t>apt-get install build-essential</a:t>
             </a:r>
-            <a:endParaRPr lang="en-US" i="1" dirty="0"/>
           </a:p>
           <a:p>
             <a:pPr marL="342900" indent="-342900">
@@ -9477,13 +10110,6 @@
               </a:rPr>
               <a:t>Compile &amp; Run</a:t>
             </a:r>
-            <a:endParaRPr lang="en-US" sz="3600" spc="-100" dirty="0">
-              <a:solidFill>
-                <a:srgbClr val="00A6DD"/>
-              </a:solidFill>
-              <a:latin typeface="Apex New Medium" pitchFamily="50" charset="0"/>
-              <a:ea typeface="Apex New Medium" pitchFamily="50" charset="0"/>
-            </a:endParaRPr>
           </a:p>
         </p:txBody>
       </p:sp>
@@ -9664,13 +10290,6 @@
               </a:rPr>
               <a:t>Compile &amp; Run</a:t>
             </a:r>
-            <a:endParaRPr lang="en-US" sz="3600" spc="-100" dirty="0">
-              <a:solidFill>
-                <a:srgbClr val="00A6DD"/>
-              </a:solidFill>
-              <a:latin typeface="Apex New Medium" pitchFamily="50" charset="0"/>
-              <a:ea typeface="Apex New Medium" pitchFamily="50" charset="0"/>
-            </a:endParaRPr>
           </a:p>
         </p:txBody>
       </p:sp>
@@ -9742,7 +10361,6 @@
               <a:rPr lang="en-US" dirty="0"/>
               <a:t>Innovation Day</a:t>
             </a:r>
-            <a:endParaRPr lang="en-US" dirty="0"/>
           </a:p>
         </p:txBody>
       </p:sp>
@@ -9767,53 +10385,111 @@
               <a:buNone/>
             </a:pPr>
             <a:r>
+              <a:rPr lang="en-US" dirty="0" smtClean="0"/>
+              <a:t>Main Features</a:t>
+            </a:r>
+          </a:p>
+          <a:p>
+            <a:pPr>
+              <a:buFont typeface="Arial" panose="020B0604020202020204" pitchFamily="34" charset="0"/>
+              <a:buChar char="•"/>
+            </a:pPr>
+            <a:r>
+              <a:rPr lang="en-US" dirty="0" smtClean="0"/>
+              <a:t>Free</a:t>
+            </a:r>
+            <a:r>
+              <a:rPr lang="en-US" dirty="0" smtClean="0"/>
+              <a:t> </a:t>
+            </a:r>
+            <a:r>
               <a:rPr lang="en-US" dirty="0"/>
-              <a:t>MAC OSX</a:t>
-            </a:r>
-          </a:p>
-        </p:txBody>
-      </p:sp>
-      <p:pic>
-        <p:nvPicPr>
-          <p:cNvPr id="4098" name="Picture 2" descr="C:\Users\ble.INTL\Desktop\mac-scanning-process.png"/>
-          <p:cNvPicPr>
-            <a:picLocks noChangeAspect="1" noChangeArrowheads="1"/>
-          </p:cNvPicPr>
-          <p:nvPr/>
-        </p:nvPicPr>
-        <p:blipFill>
-          <a:blip r:embed="rId2">
-            <a:extLst>
-              <a:ext uri="{28A0092B-C50C-407E-A947-70E740481C1C}">
-                <a14:useLocalDpi xmlns:a14="http://schemas.microsoft.com/office/drawing/2010/main" val="0"/>
-              </a:ext>
-            </a:extLst>
-          </a:blip>
-          <a:srcRect/>
-          <a:stretch>
-            <a:fillRect/>
-          </a:stretch>
-        </p:blipFill>
-        <p:spPr bwMode="auto">
-          <a:xfrm>
-            <a:off x="914400" y="2342100"/>
-            <a:ext cx="5314950" cy="4211100"/>
-          </a:xfrm>
-          <a:prstGeom prst="rect">
-            <a:avLst/>
-          </a:prstGeom>
-          <a:noFill/>
-          <a:extLst>
-            <a:ext uri="{909E8E84-426E-40DD-AFC4-6F175D3DCCD1}">
-              <a14:hiddenFill xmlns:a14="http://schemas.microsoft.com/office/drawing/2010/main">
-                <a:solidFill>
-                  <a:srgbClr val="FFFFFF"/>
-                </a:solidFill>
-              </a14:hiddenFill>
-            </a:ext>
-          </a:extLst>
-        </p:spPr>
-      </p:pic>
+              <a:t>of setting </a:t>
+            </a:r>
+            <a:r>
+              <a:rPr lang="en-US" dirty="0" err="1"/>
+              <a:t>Metascan</a:t>
+            </a:r>
+            <a:r>
+              <a:rPr lang="en-US" dirty="0"/>
+              <a:t> </a:t>
+            </a:r>
+            <a:r>
+              <a:rPr lang="en-US" dirty="0" smtClean="0"/>
+              <a:t>Online Key</a:t>
+            </a:r>
+          </a:p>
+          <a:p>
+            <a:pPr>
+              <a:buFont typeface="Arial" panose="020B0604020202020204" pitchFamily="34" charset="0"/>
+              <a:buChar char="•"/>
+            </a:pPr>
+            <a:r>
+              <a:rPr lang="en-US" dirty="0"/>
+              <a:t>Support</a:t>
+            </a:r>
+            <a:r>
+              <a:rPr lang="en-US" dirty="0" smtClean="0"/>
+              <a:t> </a:t>
+            </a:r>
+            <a:r>
+              <a:rPr lang="en-US" dirty="0" err="1" smtClean="0"/>
+              <a:t>drag&amp;drop</a:t>
+            </a:r>
+            <a:r>
+              <a:rPr lang="en-US" dirty="0" smtClean="0"/>
+              <a:t> and upload multiples files at the same time</a:t>
+            </a:r>
+          </a:p>
+          <a:p>
+            <a:pPr>
+              <a:buFont typeface="Arial" panose="020B0604020202020204" pitchFamily="34" charset="0"/>
+              <a:buChar char="•"/>
+            </a:pPr>
+            <a:r>
+              <a:rPr lang="en-US" dirty="0" smtClean="0"/>
+              <a:t>Look up </a:t>
+            </a:r>
+            <a:r>
+              <a:rPr lang="en-US" dirty="0" smtClean="0"/>
+              <a:t>MD5/SHA1/SHA256 hash</a:t>
+            </a:r>
+            <a:r>
+              <a:rPr lang="en-US" dirty="0"/>
+              <a:t> </a:t>
+            </a:r>
+            <a:r>
+              <a:rPr lang="en-US" dirty="0" smtClean="0"/>
+              <a:t>to retrieve the report</a:t>
+            </a:r>
+          </a:p>
+          <a:p>
+            <a:pPr>
+              <a:buFont typeface="Arial" panose="020B0604020202020204" pitchFamily="34" charset="0"/>
+              <a:buChar char="•"/>
+            </a:pPr>
+            <a:r>
+              <a:rPr lang="en-US" dirty="0" smtClean="0"/>
+              <a:t>Scan an IP Address</a:t>
+            </a:r>
+          </a:p>
+          <a:p>
+            <a:pPr>
+              <a:buFont typeface="Arial" panose="020B0604020202020204" pitchFamily="34" charset="0"/>
+              <a:buChar char="•"/>
+            </a:pPr>
+            <a:r>
+              <a:rPr lang="en-US" dirty="0" err="1" smtClean="0"/>
+              <a:t>Eventlog</a:t>
+            </a:r>
+            <a:r>
+              <a:rPr lang="en-US" dirty="0" smtClean="0"/>
+              <a:t> for scan history</a:t>
+            </a:r>
+            <a:endParaRPr lang="en-US" dirty="0"/>
+          </a:p>
+        </p:txBody>
+      </p:sp>
       <p:sp>
         <p:nvSpPr>
           <p:cNvPr id="5" name="Text Placeholder 6"/>

--- a/Documentation/Metascan Uploader.pptx
+++ b/Documentation/Metascan Uploader.pptx
@@ -256,7 +256,7 @@
                 <a:latin typeface="Apex New Book" pitchFamily="50" charset="0"/>
               </a:rPr>
               <a:pPr/>
-              <a:t>7/29/2014</a:t>
+              <a:t>7/30/2014</a:t>
             </a:fld>
             <a:endParaRPr lang="en-US" dirty="0">
               <a:latin typeface="Apex New Book" pitchFamily="50" charset="0"/>
@@ -435,7 +435,7 @@
             <a:fld id="{1796D6AC-0C11-4D37-B43E-F226ADBA1CAC}" type="datetimeFigureOut">
               <a:rPr lang="en-US" smtClean="0"/>
               <a:pPr/>
-              <a:t>7/29/2014</a:t>
+              <a:t>7/30/2014</a:t>
             </a:fld>
             <a:endParaRPr lang="en-US" dirty="0"/>
           </a:p>
@@ -1318,7 +1318,7 @@
             <a:fld id="{1D8BD707-D9CF-40AE-B4C6-C98DA3205C09}" type="datetimeFigureOut">
               <a:rPr lang="en-US" smtClean="0"/>
               <a:pPr/>
-              <a:t>7/29/2014</a:t>
+              <a:t>7/30/2014</a:t>
             </a:fld>
             <a:endParaRPr lang="en-US"/>
           </a:p>
@@ -4035,7 +4035,6 @@
               <a:rPr lang="en-US" dirty="0" smtClean="0"/>
               <a:t>OSX</a:t>
             </a:r>
-            <a:endParaRPr lang="en-US" dirty="0" smtClean="0"/>
           </a:p>
         </p:txBody>
       </p:sp>
@@ -7094,8 +7093,13 @@
             </a:pPr>
             <a:r>
               <a:rPr lang="en-US" dirty="0" smtClean="0"/>
-              <a:t>Some potential bugs because it is none of QA.</a:t>
-            </a:r>
+              <a:t>Some potential bugs because it is none of </a:t>
+            </a:r>
+            <a:r>
+              <a:rPr lang="en-US" dirty="0" smtClean="0"/>
+              <a:t>QA</a:t>
+            </a:r>
+            <a:endParaRPr lang="en-US" dirty="0" smtClean="0"/>
           </a:p>
           <a:p>
             <a:pPr marL="0" indent="0">
@@ -7424,8 +7428,13 @@
             </a:r>
             <a:r>
               <a:rPr lang="en-US" dirty="0"/>
-              <a:t>interfaces and applications.</a:t>
-            </a:r>
+              <a:t>interfaces and </a:t>
+            </a:r>
+            <a:r>
+              <a:rPr lang="en-US" dirty="0" smtClean="0"/>
+              <a:t>applications</a:t>
+            </a:r>
+            <a:endParaRPr lang="en-US" dirty="0"/>
           </a:p>
           <a:p>
             <a:pPr marL="342900" indent="-342900">
@@ -9357,8 +9366,13 @@
             </a:r>
             <a:r>
               <a:rPr lang="en-US" dirty="0" smtClean="0"/>
-              <a:t> SDK.</a:t>
-            </a:r>
+              <a:t> </a:t>
+            </a:r>
+            <a:r>
+              <a:rPr lang="en-US" dirty="0" smtClean="0"/>
+              <a:t>SDK</a:t>
+            </a:r>
+            <a:endParaRPr lang="en-US" dirty="0" smtClean="0"/>
           </a:p>
           <a:p>
             <a:endParaRPr lang="en-US" dirty="0" smtClean="0"/>
@@ -9978,8 +9992,16 @@
               <a:t>gcc</a:t>
             </a:r>
             <a:r>
-              <a:rPr lang="en-US" dirty="0"/>
+              <a:rPr lang="en-US" dirty="0" smtClean="0"/>
               <a:t>: </a:t>
+            </a:r>
+            <a:r>
+              <a:rPr lang="en-US" dirty="0" err="1" smtClean="0"/>
+              <a:t>sudo</a:t>
+            </a:r>
+            <a:r>
+              <a:rPr lang="en-US" dirty="0" smtClean="0"/>
+              <a:t> </a:t>
             </a:r>
             <a:r>
               <a:rPr lang="en-US" i="1" dirty="0"/>
@@ -10396,11 +10418,7 @@
             </a:pPr>
             <a:r>
               <a:rPr lang="en-US" dirty="0" smtClean="0"/>
-              <a:t>Free</a:t>
-            </a:r>
-            <a:r>
-              <a:rPr lang="en-US" dirty="0" smtClean="0"/>
-              <a:t> </a:t>
+              <a:t>Free </a:t>
             </a:r>
             <a:r>
               <a:rPr lang="en-US" dirty="0"/>
@@ -10433,12 +10451,20 @@
               <a:t> </a:t>
             </a:r>
             <a:r>
-              <a:rPr lang="en-US" dirty="0" err="1" smtClean="0"/>
-              <a:t>drag&amp;drop</a:t>
-            </a:r>
-            <a:r>
-              <a:rPr lang="en-US" dirty="0" smtClean="0"/>
-              <a:t> and upload multiples files at the same time</a:t>
+              <a:rPr lang="en-US" dirty="0" smtClean="0"/>
+              <a:t>drag &amp; drop </a:t>
+            </a:r>
+            <a:r>
+              <a:rPr lang="en-US" dirty="0" smtClean="0"/>
+              <a:t>and upload </a:t>
+            </a:r>
+            <a:r>
+              <a:rPr lang="en-US" dirty="0" smtClean="0"/>
+              <a:t>multiple </a:t>
+            </a:r>
+            <a:r>
+              <a:rPr lang="en-US" dirty="0" smtClean="0"/>
+              <a:t>files at the same time</a:t>
             </a:r>
           </a:p>
           <a:p>
@@ -10448,11 +10474,7 @@
             </a:pPr>
             <a:r>
               <a:rPr lang="en-US" dirty="0" smtClean="0"/>
-              <a:t>Look up </a:t>
-            </a:r>
-            <a:r>
-              <a:rPr lang="en-US" dirty="0" smtClean="0"/>
-              <a:t>MD5/SHA1/SHA256 hash</a:t>
+              <a:t>Look up MD5/SHA1/SHA256 hash</a:t>
             </a:r>
             <a:r>
               <a:rPr lang="en-US" dirty="0"/>
